--- a/메모장.pptx
+++ b/메모장.pptx
@@ -10,8 +10,9 @@
     <p:sldId id="258" r:id="rId4"/>
     <p:sldId id="259" r:id="rId5"/>
     <p:sldId id="260" r:id="rId6"/>
-    <p:sldId id="261" r:id="rId7"/>
-    <p:sldId id="262" r:id="rId8"/>
+    <p:sldId id="263" r:id="rId7"/>
+    <p:sldId id="261" r:id="rId8"/>
+    <p:sldId id="262" r:id="rId9"/>
   </p:sldIdLst>
   <p:sldSz cx="12192000" cy="6858000"/>
   <p:notesSz cx="6858000" cy="9144000"/>
@@ -188,7 +189,7 @@
           <inkml:channelProperty channel="T" name="resolution" value="1" units="1/dev"/>
         </inkml:channelProperties>
       </inkml:inkSource>
-      <inkml:timestamp xml:id="ts0" timeString="2024-08-09T14:52:24.222"/>
+      <inkml:timestamp xml:id="ts0" timeString="2024-08-09T15:19:25.823"/>
     </inkml:context>
     <inkml:brush xml:id="br0">
       <inkml:brushProperty name="width" value="0.13333" units="cm"/>
@@ -200,32 +201,32 @@
   <inkml:traceGroup>
     <inkml:annotationXML>
       <emma:emma xmlns:emma="http://www.w3.org/2003/04/emma" version="1.0">
-        <emma:interpretation id="{5D004CA6-07C5-449C-B9F7-1E935ED3AFCF}" emma:medium="tactile" emma:mode="ink">
-          <msink:context xmlns:msink="http://schemas.microsoft.com/ink/2010/main" type="writingRegion" rotatedBoundingBox="30612,13648 31652,13648 31652,14620 30612,14620"/>
+        <emma:interpretation id="{309654AF-45A6-4044-A316-F15F5C29AB1C}" emma:medium="tactile" emma:mode="ink">
+          <msink:context xmlns:msink="http://schemas.microsoft.com/ink/2010/main" type="writingRegion" rotatedBoundingBox="14835,1556 16425,1556 16425,2778 14835,2778"/>
         </emma:interpretation>
       </emma:emma>
     </inkml:annotationXML>
     <inkml:traceGroup>
       <inkml:annotationXML>
         <emma:emma xmlns:emma="http://www.w3.org/2003/04/emma" version="1.0">
-          <emma:interpretation id="{9D122DEF-69F1-483F-B560-B166374F2455}" emma:medium="tactile" emma:mode="ink">
-            <msink:context xmlns:msink="http://schemas.microsoft.com/ink/2010/main" type="paragraph" rotatedBoundingBox="30612,13648 31652,13648 31652,14620 30612,14620" alignmentLevel="1"/>
+          <emma:interpretation id="{C91B73F2-EAC0-4D98-A3B1-7E537A6D962B}" emma:medium="tactile" emma:mode="ink">
+            <msink:context xmlns:msink="http://schemas.microsoft.com/ink/2010/main" type="paragraph" rotatedBoundingBox="14835,1556 16425,1556 16425,2778 14835,2778" alignmentLevel="1"/>
           </emma:interpretation>
         </emma:emma>
       </inkml:annotationXML>
       <inkml:traceGroup>
         <inkml:annotationXML>
           <emma:emma xmlns:emma="http://www.w3.org/2003/04/emma" version="1.0">
-            <emma:interpretation id="{04C70797-C327-417B-8E18-01FA23E3FB8E}" emma:medium="tactile" emma:mode="ink">
-              <msink:context xmlns:msink="http://schemas.microsoft.com/ink/2010/main" type="line" rotatedBoundingBox="30612,13648 31652,13648 31652,14620 30612,14620"/>
+            <emma:interpretation id="{CE6CEB34-14A7-4D8F-963C-BD632C32875A}" emma:medium="tactile" emma:mode="ink">
+              <msink:context xmlns:msink="http://schemas.microsoft.com/ink/2010/main" type="line" rotatedBoundingBox="14835,1556 16425,1556 16425,2778 14835,2778"/>
             </emma:interpretation>
           </emma:emma>
         </inkml:annotationXML>
         <inkml:traceGroup>
           <inkml:annotationXML>
             <emma:emma xmlns:emma="http://www.w3.org/2003/04/emma" version="1.0">
-              <emma:interpretation id="{5E9EAEAD-B7F8-492F-9AF7-B846CBD97AB2}" emma:medium="tactile" emma:mode="ink">
-                <msink:context xmlns:msink="http://schemas.microsoft.com/ink/2010/main" type="inkWord" rotatedBoundingBox="30612,13648 31652,13648 31652,14620 30612,14620"/>
+              <emma:interpretation id="{E0AE9DFD-F39B-477F-A9BF-A40A730DEAB9}" emma:medium="tactile" emma:mode="ink">
+                <msink:context xmlns:msink="http://schemas.microsoft.com/ink/2010/main" type="inkWord" rotatedBoundingBox="14835,1556 16425,1556 16425,2778 14835,2778"/>
               </emma:interpretation>
               <emma:one-of disjunction-type="recognition" id="oneOf0">
                 <emma:interpretation id="interp0" emma:lang="" emma:confidence="0">
@@ -235,10 +236,10 @@
                   <emma:literal>0</emma:literal>
                 </emma:interpretation>
                 <emma:interpretation id="interp2" emma:lang="" emma:confidence="0">
-                  <emma:literal>&amp;</emma:literal>
+                  <emma:literal>O</emma:literal>
                 </emma:interpretation>
                 <emma:interpretation id="interp3" emma:lang="" emma:confidence="0">
-                  <emma:literal>O</emma:literal>
+                  <emma:literal>&amp;</emma:literal>
                 </emma:interpretation>
                 <emma:interpretation id="interp4" emma:lang="" emma:confidence="0">
                   <emma:literal>J</emma:literal>
@@ -246,7 +247,7 @@
               </emma:one-of>
             </emma:emma>
           </inkml:annotationXML>
-          <inkml:trace contextRef="#ctx0" brushRef="#br0">903 970 0,'0'0'0,"0"0"0,0 0 0,0 0 0,0 0 0,0 0 0,0 0 16,0 0-16,-103 0 0,-92 0 16,136 0-16,-9 0 0,6-24 15,1-7-15,9 2 16,1 0-16,-2 0 0,4-2 15,3-3-15,9-3 16,13 9-16,5-2 0,2-1 16,9 5-16,8-14 15,2-7-15,-1-1 0,18-3 16,12-2-16,15-3 0,9-2 16,10 6-16,3 5 15,1 9-15,-4 5 0,-12 7 16,0 5-16,1 2 15,-3 2-15,2 11 16,-1 5-16,-5 2 0,-1 4 16,-8-4-16,-8 2 0,-2 2 15,-6 1-15,-6 1 0,-4 2 16,2 3-16,-3 1 16,-2 2-16,0 5 0,-1 4 15,-3 6 1,-5 2-16,0 15 0,-4 12 0,11 8 15,-2 5 1,-5-8-16,0-24 0,0-11 16,-2-11-16,2-6 15,0-9-15,0-3 0,0-2 16,-4-21-16</inkml:trace>
+          <inkml:trace contextRef="#ctx0" brushRef="#br0">1357 1222 0,'0'0'0,"0"0"0,0 0 0,0 0 0,0 0 0,0 0 16,0 0-16,-14 0 15,-251 0-15,200 0 0,-4 0 16,1 0-16,-22 0 16,9 0-16,14 0 0,-4 0 15,-6 0-15,12 0 16,3-14-16,2 0 0,8-4 15,-5-3-15,8-7 16,6 0-16,9-6 0,0-13 16,10-6-16,16-15 0,8-8 15,1 10-15,14-2 16,7-3-16,15-6 0,10 2 16,11 4-16,4 0 15,4 8-15,4 4 0,-1 12 16,9 1-16,-5 10 15,2 10-15,-4 5 0,-2 3 16,5 12-16,-3 6 16,-5 3-16,2 2 0,-1-2 15,-7 1-15,2 14 16,-7 10-16,-6 6 0,-5 13 16,-5 11-16,-3 19 15,-5 17-15,-16-11 0,-6-17 16,1 1-16,-5-7 15,-2-7-15,-3-1 0,-2-6 16,1-8-16,-4-5 16,11 2-16,6 7 0,-9-45 15</inkml:trace>
         </inkml:traceGroup>
       </inkml:traceGroup>
     </inkml:traceGroup>
@@ -254,7 +255,7 @@
 </inkml:ink>
 </file>
 
-<file path=ppt/ink/ink2.xml><?xml version="1.0" encoding="utf-8"?>
+<file path=ppt/ink/ink10.xml><?xml version="1.0" encoding="utf-8"?>
 <inkml:ink xmlns:inkml="http://www.w3.org/2003/InkML">
   <inkml:definitions>
     <inkml:context xml:id="ctx0">
@@ -343,7 +344,7 @@
               </emma:one-of>
             </emma:emma>
           </inkml:annotationXML>
-          <inkml:trace contextRef="#ctx0" brushRef="#br0" timeOffset="1294.6544">3732 3422 0,'0'0'0,"0"0"0,0 0 16,0 0-16,0 0 0,0 0 16,0 0-16,0 0 0,0 0 15,0 0-15,0 0 16,-4 0-16,-20 0 0,-22 0 15,-20 16-15,-15 1 16,-4-14-16,7 7 0,-3-6 16,0 7-16,-3-5 0,-11-6 15,18 14-15,-7-9 16,1-2-16,-1-3 0,1 12 16,2-5-16,-10-3 15,-5-4-15,7 0 0,3 0 16,11 0-16,7 0 0,6-1 15,-4 1 1,5-3-16,-2 3 0,8-7 0,3-8 16,5-4-1,9-2-15,1-3 0,6-1 0,1-9 16,7 0-16,2-7 16,11-2-16,4-9 15,6-5-15,3-4 0,8 5 16,9 2-16,14-6 15,11-2-15,6 2 0,11-1 16,13-7-16,11 2 16,8 2-16,-4 7 0,2 8 15,5 3-15,10 4 16,11 3-16,-3 8 0,-1 8 16,-10 15-16,7-7 0,-9 14 15,-2 1-15,-5 1 16,-11 5-16,3 13 0,-8 11 15,0 11-15,3 8 16,-7 9-16,-6 7 0,-10 8 16,-7 6-16,-11-2 15,-4-2-15,-7-6 0,-8-2 16,-6 5-16,5 5 0,-9-8 16,7-2-16,-9-14 15,4-10-15,5 0 0,-6-14 16,-17-56-1</inkml:trace>
+          <inkml:trace contextRef="#ctx0" brushRef="#br0" timeOffset="1294.6543">3732 3422 0,'0'0'0,"0"0"0,0 0 16,0 0-16,0 0 0,0 0 16,0 0-16,0 0 0,0 0 15,0 0-15,0 0 16,-4 0-16,-20 0 0,-22 0 15,-20 16-15,-15 1 16,-4-14-16,7 7 0,-3-6 16,0 7-16,-3-5 0,-11-6 15,18 14-15,-7-9 16,1-2-16,-1-3 0,1 12 16,2-5-16,-10-3 15,-5-4-15,7 0 0,3 0 16,11 0-16,7 0 0,6-1 15,-4 1 1,5-3-16,-2 3 0,8-7 0,3-8 16,5-4-1,9-2-15,1-3 0,6-1 0,1-9 16,7 0-16,2-7 16,11-2-16,4-9 15,6-5-15,3-4 0,8 5 16,9 2-16,14-6 15,11-2-15,6 2 0,11-1 16,13-7-16,11 2 16,8 2-16,-4 7 0,2 8 15,5 3-15,10 4 16,11 3-16,-3 8 0,-1 8 16,-10 15-16,7-7 0,-9 14 15,-2 1-15,-5 1 16,-11 5-16,3 13 0,-8 11 15,0 11-15,3 8 16,-7 9-16,-6 7 0,-10 8 16,-7 6-16,-11-2 15,-4-2-15,-7-6 0,-8-2 16,-6 5-16,5 5 0,-9-8 16,7-2-16,-9-14 15,4-10-15,5 0 0,-6-14 16,-17-56-1</inkml:trace>
         </inkml:traceGroup>
       </inkml:traceGroup>
     </inkml:traceGroup>
@@ -351,7 +352,7 @@
 </inkml:ink>
 </file>
 
-<file path=ppt/ink/ink3.xml><?xml version="1.0" encoding="utf-8"?>
+<file path=ppt/ink/ink11.xml><?xml version="1.0" encoding="utf-8"?>
 <inkml:ink xmlns:inkml="http://www.w3.org/2003/InkML">
   <inkml:definitions>
     <inkml:context xml:id="ctx0">
@@ -448,7 +449,7 @@
 </inkml:ink>
 </file>
 
-<file path=ppt/ink/ink4.xml><?xml version="1.0" encoding="utf-8"?>
+<file path=ppt/ink/ink12.xml><?xml version="1.0" encoding="utf-8"?>
 <inkml:ink xmlns:inkml="http://www.w3.org/2003/InkML">
   <inkml:definitions>
     <inkml:context xml:id="ctx0">
@@ -554,7 +555,7 @@
 </inkml:ink>
 </file>
 
-<file path=ppt/ink/ink5.xml><?xml version="1.0" encoding="utf-8"?>
+<file path=ppt/ink/ink13.xml><?xml version="1.0" encoding="utf-8"?>
 <inkml:ink xmlns:inkml="http://www.w3.org/2003/InkML">
   <inkml:definitions>
     <inkml:context xml:id="ctx0">
@@ -592,7 +593,7 @@
 </inkml:ink>
 </file>
 
-<file path=ppt/ink/ink6.xml><?xml version="1.0" encoding="utf-8"?>
+<file path=ppt/ink/ink14.xml><?xml version="1.0" encoding="utf-8"?>
 <inkml:ink xmlns:inkml="http://www.w3.org/2003/InkML">
   <inkml:definitions>
     <inkml:context xml:id="ctx0">
@@ -626,6 +627,398 @@
       </emma:emma>
     </inkml:annotationXML>
     <inkml:trace contextRef="#ctx0" brushRef="#br0">3004 1685 0,'0'0'0,"0"0"0,0 0 0,0 0 16,-2 1-16,-296 45 15,205-46-15,-6 26 0,-15 0 16,2-25-16,-13 23 16,2-20-16,-2 20 0,-5-1 15,-6-15-15,-15 14 16,11-15-16,-5 11 0,8-12 16,-5 12-16,8-12 15,13-5-15,7-2 0,8 1 16,5-23-16,15-9 15,13-14-15,12-6 0,8-14 16,13-6-16,6-26 16,24-2-16,11-27 0,-4 14 15,15 7-15,16 0 0,18-3 16,22-11-16,1 11 16,7 10-16,18 1 0,21 7 15,3 14-15,11-4 16,-1 14-16,7 11 0,2 12 15,-8 8-15,-2 19 16,0 18-16,-8-2 0,-10 2 16,-5 12-16,-5 23 15,-11 13-15,-9 2 0,-7 1 16,-6 10-16,-12 7 16,-14 14-16,-12 12 0,-28 38 15,-31 45-15,-12-27 16,-5-2-16,-2 2 0,2-11 15,2-4-15,3-21 16,15-7-16,13-6 0,0-3 16,5-31-16,3-91 15</inkml:trace>
+  </inkml:traceGroup>
+</inkml:ink>
+</file>
+
+<file path=ppt/ink/ink2.xml><?xml version="1.0" encoding="utf-8"?>
+<inkml:ink xmlns:inkml="http://www.w3.org/2003/InkML">
+  <inkml:definitions>
+    <inkml:context xml:id="ctx0">
+      <inkml:inkSource xml:id="inkSrc0">
+        <inkml:traceFormat>
+          <inkml:channel name="X" type="integer" max="28800" units="cm"/>
+          <inkml:channel name="Y" type="integer" max="18000" units="cm"/>
+          <inkml:channel name="T" type="integer" max="2.14748E9" units="dev"/>
+        </inkml:traceFormat>
+        <inkml:channelProperties>
+          <inkml:channelProperty channel="X" name="resolution" value="835.9942" units="1/cm"/>
+          <inkml:channelProperty channel="Y" name="resolution" value="837.20929" units="1/cm"/>
+          <inkml:channelProperty channel="T" name="resolution" value="1" units="1/dev"/>
+        </inkml:channelProperties>
+      </inkml:inkSource>
+      <inkml:timestamp xml:id="ts0" timeString="2024-08-09T15:20:17.526"/>
+    </inkml:context>
+    <inkml:brush xml:id="br0">
+      <inkml:brushProperty name="width" value="0.13333" units="cm"/>
+      <inkml:brushProperty name="height" value="0.13333" units="cm"/>
+      <inkml:brushProperty name="color" value="#ED1C24"/>
+      <inkml:brushProperty name="fitToCurve" value="1"/>
+    </inkml:brush>
+  </inkml:definitions>
+  <inkml:traceGroup>
+    <inkml:annotationXML>
+      <emma:emma xmlns:emma="http://www.w3.org/2003/04/emma" version="1.0">
+        <emma:interpretation id="{A989CF1E-D8C7-4B8E-B18E-A2562B424B55}" emma:medium="tactile" emma:mode="ink">
+          <msink:context xmlns:msink="http://schemas.microsoft.com/ink/2010/main" type="inkDrawing" rotatedBoundingBox="325,16562 860,14884 1941,15229 1406,16907" hotPoints="1731,15728 1030,16429 329,15728 1030,15027" semanticType="enclosure" shapeName="Circle"/>
+        </emma:interpretation>
+      </emma:emma>
+    </inkml:annotationXML>
+    <inkml:trace contextRef="#ctx0" brushRef="#br0">1135 831 0,'0'0'0,"0"0"0,0 0 0,0 0 16,0 0-16,0 0 0,0 0 16,0 0-16,0 0 15,0 0-15,0 0 0,-2 9 16,-5 9-16,-1 1 15,-2 9-15,-5 5 0,-7-7 16,-6 21-16,-10 21 16,-7 17-16,-24 8 0,-57 48 15,13-34-15,12-38 16,21-25-16,26-20 0,2-9 16,-7-8-16,6-14 15,3-15-15,7-11 0,0-24 16,6-19-16,6-6 15,10-1-15,7-4 0,5 1 16,3 0-16,10 5 16,5-9-16,12 0 0,3 1 15,4 2-15,6 5 0,7 6 16,0 7-16,8 4 16,1 1-16,6 7 15,-1 8-15,3 5 0,-2 10 16,3 6-16,1 7 15,-1 11-15,2 1 0,-2 10 16,2 8-16,-2 13 16,-5 11-16,1 10 0,-5 16 15,-16 10-15,-4-4 16,-10-13-16,-2 0 0,-14 69 16,-57 167-16,-1-67 0,11-67 15,10-36-15,8-28 16,18-25-16,-4 1 0,-11-55 15</inkml:trace>
+  </inkml:traceGroup>
+</inkml:ink>
+</file>
+
+<file path=ppt/ink/ink3.xml><?xml version="1.0" encoding="utf-8"?>
+<inkml:ink xmlns:inkml="http://www.w3.org/2003/InkML">
+  <inkml:definitions>
+    <inkml:context xml:id="ctx0">
+      <inkml:inkSource xml:id="inkSrc0">
+        <inkml:traceFormat>
+          <inkml:channel name="X" type="integer" max="28800" units="cm"/>
+          <inkml:channel name="Y" type="integer" max="18000" units="cm"/>
+          <inkml:channel name="T" type="integer" max="2.14748E9" units="dev"/>
+        </inkml:traceFormat>
+        <inkml:channelProperties>
+          <inkml:channelProperty channel="X" name="resolution" value="835.9942" units="1/cm"/>
+          <inkml:channelProperty channel="Y" name="resolution" value="837.20929" units="1/cm"/>
+          <inkml:channelProperty channel="T" name="resolution" value="1" units="1/dev"/>
+        </inkml:channelProperties>
+      </inkml:inkSource>
+      <inkml:timestamp xml:id="ts0" timeString="2024-08-09T15:20:19.878"/>
+    </inkml:context>
+    <inkml:brush xml:id="br0">
+      <inkml:brushProperty name="width" value="0.13333" units="cm"/>
+      <inkml:brushProperty name="height" value="0.13333" units="cm"/>
+      <inkml:brushProperty name="color" value="#ED1C24"/>
+      <inkml:brushProperty name="fitToCurve" value="1"/>
+    </inkml:brush>
+  </inkml:definitions>
+  <inkml:traceGroup>
+    <inkml:annotationXML>
+      <emma:emma xmlns:emma="http://www.w3.org/2003/04/emma" version="1.0">
+        <emma:interpretation id="{C9DB1773-61AD-4B97-AE4A-D2CB0C1C4DDF}" emma:medium="tactile" emma:mode="ink">
+          <msink:context xmlns:msink="http://schemas.microsoft.com/ink/2010/main" type="inkDrawing" rotatedBoundingBox="3247,10677 6767,10560 6846,12925 3326,13043" hotPoints="6831,11088 5137,12512 2980,12014 4674,10590" semanticType="enclosure" shapeName="Ellipse"/>
+        </emma:interpretation>
+      </emma:emma>
+    </inkml:annotationXML>
+    <inkml:trace contextRef="#ctx0" brushRef="#br0">3220 1968 0,'0'0'15,"0"0"-15,0 0 0,0 0 0,0 0 0,-167 0 16,30 0-16,71 0 16,-13 0-16,4 0 0,-14 24 15,-24 7-15,-7-1 16,-8-1-16,2 2 0,-5 0 16,-19-1-16,-6-23 15,4-7-15,-8 16 0,-11-8 16,-2-8-16,31 0 15,5 0-15,1-31 0,-6-22 16,32 1-16,18 0 16,21-5-16,5-11 0,13-5 15,14-12-15,10-22 16,21-12-16,14-5 0,16 17 16,18-11-16,16 2 15,20-11-15,11 1 0,12 15 16,23 11-16,2 2 15,5 13-15,2 2 0,21 3 16,-1 15-16,7 11 16,3 6-16,3 14 0,9 23 15,-14-1-15,-2 7 16,11 10-16,-11-2 0,-14 23 16,-6 16-16,1 17 15,-9 4-15,-21 13 0,-12 14 16,-26-8-16,-14 7 0,-5 11 15,0 36-15,-22 2 16,-20-8-16,-10-11 0,-7-11 16,-12 29-16,-8 1 15,-1-17-15,16-74 0,6 12 16,1 11-16,-33 102 16,19-28-16,11-44 0,7-25 15,10-104-15</inkml:trace>
+  </inkml:traceGroup>
+</inkml:ink>
+</file>
+
+<file path=ppt/ink/ink4.xml><?xml version="1.0" encoding="utf-8"?>
+<inkml:ink xmlns:inkml="http://www.w3.org/2003/InkML">
+  <inkml:definitions>
+    <inkml:context xml:id="ctx0">
+      <inkml:inkSource xml:id="inkSrc0">
+        <inkml:traceFormat>
+          <inkml:channel name="X" type="integer" max="28800" units="cm"/>
+          <inkml:channel name="Y" type="integer" max="18000" units="cm"/>
+          <inkml:channel name="T" type="integer" max="2.14748E9" units="dev"/>
+        </inkml:traceFormat>
+        <inkml:channelProperties>
+          <inkml:channelProperty channel="X" name="resolution" value="835.9942" units="1/cm"/>
+          <inkml:channelProperty channel="Y" name="resolution" value="837.20929" units="1/cm"/>
+          <inkml:channelProperty channel="T" name="resolution" value="1" units="1/dev"/>
+        </inkml:channelProperties>
+      </inkml:inkSource>
+      <inkml:timestamp xml:id="ts0" timeString="2024-08-09T15:20:20.841"/>
+    </inkml:context>
+    <inkml:brush xml:id="br0">
+      <inkml:brushProperty name="width" value="0.13333" units="cm"/>
+      <inkml:brushProperty name="height" value="0.13333" units="cm"/>
+      <inkml:brushProperty name="color" value="#ED1C24"/>
+      <inkml:brushProperty name="fitToCurve" value="1"/>
+    </inkml:brush>
+  </inkml:definitions>
+  <inkml:traceGroup>
+    <inkml:annotationXML>
+      <emma:emma xmlns:emma="http://www.w3.org/2003/04/emma" version="1.0">
+        <emma:interpretation id="{107649B6-A7B9-4B5E-B67A-44C092DFCDC6}" emma:medium="tactile" emma:mode="ink">
+          <msink:context xmlns:msink="http://schemas.microsoft.com/ink/2010/main" type="inkDrawing" rotatedBoundingBox="11747,17447 13884,16840 14314,18353 12176,18960" hotPoints="14011,17861 13055,18816 12100,17861 13055,16906" semanticType="enclosure" shapeName="Circle"/>
+        </emma:interpretation>
+      </emma:emma>
+    </inkml:annotationXML>
+    <inkml:trace contextRef="#ctx0" brushRef="#br0">1409 1432 0,'0'0'0,"0"0"0,0 0 0,0 0 0,0 0 15,0 0-15,0 0 16,-2 1-16,-240 73 0,131-68 16,21 18-16,11-23 15,-4-1-15,11-1 0,-4 1 16,-5 0-16,-12-12 15,-12-15-15,18-2 0,21-4 16,8-5-16,14-4 0,-1-9 16,8-22-16,8-21 15,20-17-15,9 14 0,2 11 16,27 2-16,17-14 16,14-4-16,17 8 0,12 4 15,17 12-15,8 8 16,-5 11-16,12 9 0,8 7 15,5 6-15,-6 8 16,-9 21-16,-10 8 0,12 6 16,-3 12-16,-6 19 15,-22 9-15,-5 14 0,-4 24 16,-13 6-16,-12 9 16,-13-9-16,-20-13 0,-15-7 15,-10 6-15,-20 14 16,-16 12-16,-15 3 0,-11 0 15,-5-13-15,-14-8 16,-10-10-16,47-43 0,-13 1 16,0-4-16,-2-3 15,-89 22-15,36-27 0,92-40 16</inkml:trace>
+  </inkml:traceGroup>
+</inkml:ink>
+</file>
+
+<file path=ppt/ink/ink5.xml><?xml version="1.0" encoding="utf-8"?>
+<inkml:ink xmlns:inkml="http://www.w3.org/2003/InkML">
+  <inkml:definitions>
+    <inkml:context xml:id="ctx0">
+      <inkml:inkSource xml:id="inkSrc0">
+        <inkml:traceFormat>
+          <inkml:channel name="X" type="integer" max="28800" units="cm"/>
+          <inkml:channel name="Y" type="integer" max="18000" units="cm"/>
+          <inkml:channel name="T" type="integer" max="2.14748E9" units="dev"/>
+        </inkml:traceFormat>
+        <inkml:channelProperties>
+          <inkml:channelProperty channel="X" name="resolution" value="835.9942" units="1/cm"/>
+          <inkml:channelProperty channel="Y" name="resolution" value="837.20929" units="1/cm"/>
+          <inkml:channelProperty channel="T" name="resolution" value="1" units="1/dev"/>
+        </inkml:channelProperties>
+      </inkml:inkSource>
+      <inkml:timestamp xml:id="ts0" timeString="2024-08-09T15:21:42.681"/>
+    </inkml:context>
+    <inkml:brush xml:id="br0">
+      <inkml:brushProperty name="width" value="0.13333" units="cm"/>
+      <inkml:brushProperty name="height" value="0.13333" units="cm"/>
+      <inkml:brushProperty name="color" value="#ED1C24"/>
+      <inkml:brushProperty name="fitToCurve" value="1"/>
+    </inkml:brush>
+  </inkml:definitions>
+  <inkml:traceGroup>
+    <inkml:annotationXML>
+      <emma:emma xmlns:emma="http://www.w3.org/2003/04/emma" version="1.0">
+        <emma:interpretation id="{65DEADEA-3086-4C8F-B871-0797DA78D5BE}" emma:medium="tactile" emma:mode="ink">
+          <msink:context xmlns:msink="http://schemas.microsoft.com/ink/2010/main" type="writingRegion" rotatedBoundingBox="20191,2004 21161,2004 21161,2067 20191,2067"/>
+        </emma:interpretation>
+      </emma:emma>
+    </inkml:annotationXML>
+    <inkml:traceGroup>
+      <inkml:annotationXML>
+        <emma:emma xmlns:emma="http://www.w3.org/2003/04/emma" version="1.0">
+          <emma:interpretation id="{0B463585-2855-4E2E-B32C-D28754F10EA3}" emma:medium="tactile" emma:mode="ink">
+            <msink:context xmlns:msink="http://schemas.microsoft.com/ink/2010/main" type="paragraph" rotatedBoundingBox="20191,2004 21161,2004 21161,2067 20191,2067" alignmentLevel="1"/>
+          </emma:interpretation>
+        </emma:emma>
+      </inkml:annotationXML>
+      <inkml:traceGroup>
+        <inkml:annotationXML>
+          <emma:emma xmlns:emma="http://www.w3.org/2003/04/emma" version="1.0">
+            <emma:interpretation id="{2D85CD65-C555-40E1-8EBB-D3F12C4A5518}" emma:medium="tactile" emma:mode="ink">
+              <msink:context xmlns:msink="http://schemas.microsoft.com/ink/2010/main" type="line" rotatedBoundingBox="20191,2004 21161,2004 21161,2067 20191,2067"/>
+            </emma:interpretation>
+          </emma:emma>
+        </inkml:annotationXML>
+        <inkml:traceGroup>
+          <inkml:annotationXML>
+            <emma:emma xmlns:emma="http://www.w3.org/2003/04/emma" version="1.0">
+              <emma:interpretation id="{D6B0C772-F528-4BF7-983D-AEE64F8AC967}" emma:medium="tactile" emma:mode="ink">
+                <msink:context xmlns:msink="http://schemas.microsoft.com/ink/2010/main" type="inkWord" rotatedBoundingBox="20191,2004 21161,2004 21161,2067 20191,2067"/>
+              </emma:interpretation>
+              <emma:one-of disjunction-type="recognition" id="oneOf0">
+                <emma:interpretation id="interp0" emma:lang="" emma:confidence="0">
+                  <emma:literal>ㅡ</emma:literal>
+                </emma:interpretation>
+                <emma:interpretation id="interp1" emma:lang="" emma:confidence="0">
+                  <emma:literal>一</emma:literal>
+                </emma:interpretation>
+                <emma:interpretation id="interp2" emma:lang="" emma:confidence="0">
+                  <emma:literal>-</emma:literal>
+                </emma:interpretation>
+                <emma:interpretation id="interp3" emma:lang="" emma:confidence="0">
+                  <emma:literal>_</emma:literal>
+                </emma:interpretation>
+                <emma:interpretation id="interp4" emma:lang="" emma:confidence="0">
+                  <emma:literal>~</emma:literal>
+                </emma:interpretation>
+              </emma:one-of>
+            </emma:emma>
+          </inkml:annotationXML>
+          <inkml:trace contextRef="#ctx0" brushRef="#br0">0 63 0,'0'0'0,"0"0"0,0 0 0,0 0 0,0 0 15,0 0-15,0 0 16,0 0-16,0 0 0,0 0 16,7 0-16,37 0 15,30 0-15,24-17 0,5 15 16,-2-13-16,-11 12 16,-15-7-16,-16 4 0,-12 6 15,-11 0-15,-7 0 16,-2 0-16,-6 0 0,4 0 15,-6 3-15,10-3 16,5-7-16,9 2 0,-34 4 16</inkml:trace>
+        </inkml:traceGroup>
+      </inkml:traceGroup>
+    </inkml:traceGroup>
+  </inkml:traceGroup>
+</inkml:ink>
+</file>
+
+<file path=ppt/ink/ink6.xml><?xml version="1.0" encoding="utf-8"?>
+<inkml:ink xmlns:inkml="http://www.w3.org/2003/InkML">
+  <inkml:definitions>
+    <inkml:context xml:id="ctx0">
+      <inkml:inkSource xml:id="inkSrc0">
+        <inkml:traceFormat>
+          <inkml:channel name="X" type="integer" max="28800" units="cm"/>
+          <inkml:channel name="Y" type="integer" max="18000" units="cm"/>
+          <inkml:channel name="T" type="integer" max="2.14748E9" units="dev"/>
+        </inkml:traceFormat>
+        <inkml:channelProperties>
+          <inkml:channelProperty channel="X" name="resolution" value="835.9942" units="1/cm"/>
+          <inkml:channelProperty channel="Y" name="resolution" value="837.20929" units="1/cm"/>
+          <inkml:channelProperty channel="T" name="resolution" value="1" units="1/dev"/>
+        </inkml:channelProperties>
+      </inkml:inkSource>
+      <inkml:timestamp xml:id="ts0" timeString="2024-08-09T15:21:43.929"/>
+    </inkml:context>
+    <inkml:brush xml:id="br0">
+      <inkml:brushProperty name="width" value="0.13333" units="cm"/>
+      <inkml:brushProperty name="height" value="0.13333" units="cm"/>
+      <inkml:brushProperty name="color" value="#ED1C24"/>
+      <inkml:brushProperty name="fitToCurve" value="1"/>
+    </inkml:brush>
+  </inkml:definitions>
+  <inkml:traceGroup>
+    <inkml:annotationXML>
+      <emma:emma xmlns:emma="http://www.w3.org/2003/04/emma" version="1.0">
+        <emma:interpretation id="{24D21829-EDA8-40DE-AB54-F83A32C478B1}" emma:medium="tactile" emma:mode="ink">
+          <msink:context xmlns:msink="http://schemas.microsoft.com/ink/2010/main" type="inkDrawing" rotatedBoundingBox="26714,3371 31357,3298 31358,3393 26716,3466" shapeName="Other"/>
+        </emma:interpretation>
+      </emma:emma>
+    </inkml:annotationXML>
+    <inkml:trace contextRef="#ctx0" brushRef="#br0">0 29 0,'0'0'0,"0"0"0,0 0 0,0 0 15,0 0-15,0 0 16,0 0-16,0 0 0,0 0 16,0 0-16,0 0 15,0 0-15,0 0 0,6 2 16,31 7-16,26 26 0,33-35 16,18 0-16,16 0 15,6 0-15,3 0 16,1 0-16,-9 0 0,-4 0 15,-17 0-15,21 0 0,5 0 16,1 0-16,5 0 16,-3 0-16,9 0 15,1 0-15,-16 0 0,5 0 16,1 0-16,0 0 0,-9 0 16,-4 0-16,-5 0 15,0-12-15,-2 8 0,-12-1 16,-2-6-16,1 5 15,0-9-15,-1 6 0,-8 5 16,-12 4-16,-6 0 16,-11 0-16,-7 1 0,-8-1 15,-7 0-15,-9 0 16,-3 3-16,-5-3 0,-7-6 16,-8 5-16,-5 1 15,2 0-15,0-3 0,9 3 16,-3-3-16,-4 3 15,-6 0-15,2 0 0,-3 0 16,3 0-16,-15 0 16</inkml:trace>
+  </inkml:traceGroup>
+</inkml:ink>
+</file>
+
+<file path=ppt/ink/ink7.xml><?xml version="1.0" encoding="utf-8"?>
+<inkml:ink xmlns:inkml="http://www.w3.org/2003/InkML">
+  <inkml:definitions>
+    <inkml:context xml:id="ctx0">
+      <inkml:inkSource xml:id="inkSrc0">
+        <inkml:traceFormat>
+          <inkml:channel name="X" type="integer" max="28800" units="cm"/>
+          <inkml:channel name="Y" type="integer" max="18000" units="cm"/>
+          <inkml:channel name="T" type="integer" max="2.14748E9" units="dev"/>
+        </inkml:traceFormat>
+        <inkml:channelProperties>
+          <inkml:channelProperty channel="X" name="resolution" value="835.9942" units="1/cm"/>
+          <inkml:channelProperty channel="Y" name="resolution" value="837.20929" units="1/cm"/>
+          <inkml:channelProperty channel="T" name="resolution" value="1" units="1/dev"/>
+        </inkml:channelProperties>
+      </inkml:inkSource>
+      <inkml:timestamp xml:id="ts0" timeString="2024-08-09T15:21:51.047"/>
+    </inkml:context>
+    <inkml:brush xml:id="br0">
+      <inkml:brushProperty name="width" value="0.13333" units="cm"/>
+      <inkml:brushProperty name="height" value="0.13333" units="cm"/>
+      <inkml:brushProperty name="color" value="#ED1C24"/>
+      <inkml:brushProperty name="fitToCurve" value="1"/>
+    </inkml:brush>
+  </inkml:definitions>
+  <inkml:traceGroup>
+    <inkml:annotationXML>
+      <emma:emma xmlns:emma="http://www.w3.org/2003/04/emma" version="1.0">
+        <emma:interpretation id="{688F9966-E8E5-416F-BBE2-5B0E10DBE30A}" emma:medium="tactile" emma:mode="ink">
+          <msink:context xmlns:msink="http://schemas.microsoft.com/ink/2010/main" type="inkDrawing" rotatedBoundingBox="17448,8855 19518,7912 20203,9416 18133,10360" hotPoints="19636,9257 18671,10222 17706,9257 18671,8293" semanticType="enclosure" shapeName="Circle"/>
+        </emma:interpretation>
+      </emma:emma>
+    </inkml:annotationXML>
+    <inkml:trace contextRef="#ctx0" brushRef="#br0">1787 327 0,'0'0'0,"0"0"0,0 0 0,0 0 0,0 0 0,0 0 16,0 0-16,0 0 0,0 0 16,0 0-16,0 0 15,-136-47-15,40 26 0,49 8 16,-19 12-16,7 1 16,4 0-16,-6 0 0,-9 0 15,-1 0-15,-3 0 16,1 0-16,-3 0 0,-3 17 15,7 4-15,1 1 16,0 6-16,-1 8 0,0 2 16,-2 12-16,4 2 15,8 3-15,5-4 0,5 2 16,9 2-16,3-2 0,14 2 16,4-3-16,8-1 15,13-1-15,1 1 16,3 0-16,1 3 0,9-4 15,10 0-15,5 6 16,9 0-16,7 2 0,8 1 16,1 0-16,6-7 0,1-7 15,-4-5-15,9-1 16,0-2-16,5-6 0,-1-9 16,7-2-16,-3-15 15,4-5-15,-3-2 0,1-1 16,-4-1-16,3 3 15,0-4-15,0-11 0,-11-3 16,-5-4-16,1-5 16,-4-4-16,-4-5 0,10-7 15,-13 1-15,7-4 16,-6-2-16,-2-9 0,-6 4 16,-2 2-16,-1-3 15,-8 5-15,-1-6 0,-1-7 16,-7-4-16,-2 1 15,-4 2-15,-8-1 0,-7-6 16,-4 6-16,3 8 16,-1-1-16,-2 11 0,1-6 15,-6 2-15,-9 6 16,2 3-16,-3-2 0,-2 1 16,5 9-16,-6-9 15,5 12-15,4 6 0,-2 3 16,2-1-16,4 6 0,2 4 15,5-2-15,2-2 16,8 19-16</inkml:trace>
+  </inkml:traceGroup>
+</inkml:ink>
+</file>
+
+<file path=ppt/ink/ink8.xml><?xml version="1.0" encoding="utf-8"?>
+<inkml:ink xmlns:inkml="http://www.w3.org/2003/InkML">
+  <inkml:definitions>
+    <inkml:context xml:id="ctx0">
+      <inkml:inkSource xml:id="inkSrc0">
+        <inkml:traceFormat>
+          <inkml:channel name="X" type="integer" max="28800" units="cm"/>
+          <inkml:channel name="Y" type="integer" max="18000" units="cm"/>
+          <inkml:channel name="T" type="integer" max="2.14748E9" units="dev"/>
+        </inkml:traceFormat>
+        <inkml:channelProperties>
+          <inkml:channelProperty channel="X" name="resolution" value="835.9942" units="1/cm"/>
+          <inkml:channelProperty channel="Y" name="resolution" value="837.20929" units="1/cm"/>
+          <inkml:channelProperty channel="T" name="resolution" value="1" units="1/dev"/>
+        </inkml:channelProperties>
+      </inkml:inkSource>
+      <inkml:timestamp xml:id="ts0" timeString="2024-08-09T15:21:52.200"/>
+    </inkml:context>
+    <inkml:brush xml:id="br0">
+      <inkml:brushProperty name="width" value="0.13333" units="cm"/>
+      <inkml:brushProperty name="height" value="0.13333" units="cm"/>
+      <inkml:brushProperty name="color" value="#ED1C24"/>
+      <inkml:brushProperty name="fitToCurve" value="1"/>
+    </inkml:brush>
+  </inkml:definitions>
+  <inkml:traceGroup>
+    <inkml:annotationXML>
+      <emma:emma xmlns:emma="http://www.w3.org/2003/04/emma" version="1.0">
+        <emma:interpretation id="{E25B8D9D-0B9B-4135-9A14-56E5050922D0}" emma:medium="tactile" emma:mode="ink">
+          <msink:context xmlns:msink="http://schemas.microsoft.com/ink/2010/main" type="inkDrawing" rotatedBoundingBox="21049,10458 23357,10458 23357,10473 21049,10473" shapeName="Other"/>
+        </emma:interpretation>
+      </emma:emma>
+    </inkml:annotationXML>
+    <inkml:trace contextRef="#ctx0" brushRef="#br0">0 0 0,'0'0'0,"0"0"0,0 0 0,0 0 0,0 0 16,0 0-16,0 0 0,0 0 16,0 0-16,0 0 15,4 0-15,26 0 0,17 0 16,21 0-16,15 0 16,7 0-16,-2 0 0,-9 0 15,-7 0-15,3 0 16,-4 0-16,-10 0 0,13 0 15,-5 0-15,2 0 16,0 0-16,3 0 0,1 0 16,6 0-16,-3 0 15,2 0-15,-11 0 0,5 0 16,-3 0-16,-4 0 16,-1 0-16,-5 0 0,-8 0 15,4 0-15,-11 0 16,0 0-16,-5 0 0,-4 0 15,-3 0-15,-1 0 16,-5 0-16,1 0 0,-5 0 16,-6 0-16,-5 0 15,-34 0-15</inkml:trace>
+  </inkml:traceGroup>
+</inkml:ink>
+</file>
+
+<file path=ppt/ink/ink9.xml><?xml version="1.0" encoding="utf-8"?>
+<inkml:ink xmlns:inkml="http://www.w3.org/2003/InkML">
+  <inkml:definitions>
+    <inkml:context xml:id="ctx0">
+      <inkml:inkSource xml:id="inkSrc0">
+        <inkml:traceFormat>
+          <inkml:channel name="X" type="integer" max="28800" units="cm"/>
+          <inkml:channel name="Y" type="integer" max="18000" units="cm"/>
+          <inkml:channel name="T" type="integer" max="2.14748E9" units="dev"/>
+        </inkml:traceFormat>
+        <inkml:channelProperties>
+          <inkml:channelProperty channel="X" name="resolution" value="835.9942" units="1/cm"/>
+          <inkml:channelProperty channel="Y" name="resolution" value="837.20929" units="1/cm"/>
+          <inkml:channelProperty channel="T" name="resolution" value="1" units="1/dev"/>
+        </inkml:channelProperties>
+      </inkml:inkSource>
+      <inkml:timestamp xml:id="ts0" timeString="2024-08-09T14:52:24.222"/>
+    </inkml:context>
+    <inkml:brush xml:id="br0">
+      <inkml:brushProperty name="width" value="0.13333" units="cm"/>
+      <inkml:brushProperty name="height" value="0.13333" units="cm"/>
+      <inkml:brushProperty name="color" value="#ED1C24"/>
+      <inkml:brushProperty name="fitToCurve" value="1"/>
+    </inkml:brush>
+  </inkml:definitions>
+  <inkml:traceGroup>
+    <inkml:annotationXML>
+      <emma:emma xmlns:emma="http://www.w3.org/2003/04/emma" version="1.0">
+        <emma:interpretation id="{5D004CA6-07C5-449C-B9F7-1E935ED3AFCF}" emma:medium="tactile" emma:mode="ink">
+          <msink:context xmlns:msink="http://schemas.microsoft.com/ink/2010/main" type="writingRegion" rotatedBoundingBox="30612,13648 31652,13648 31652,14620 30612,14620"/>
+        </emma:interpretation>
+      </emma:emma>
+    </inkml:annotationXML>
+    <inkml:traceGroup>
+      <inkml:annotationXML>
+        <emma:emma xmlns:emma="http://www.w3.org/2003/04/emma" version="1.0">
+          <emma:interpretation id="{9D122DEF-69F1-483F-B560-B166374F2455}" emma:medium="tactile" emma:mode="ink">
+            <msink:context xmlns:msink="http://schemas.microsoft.com/ink/2010/main" type="paragraph" rotatedBoundingBox="30612,13648 31652,13648 31652,14620 30612,14620" alignmentLevel="1"/>
+          </emma:interpretation>
+        </emma:emma>
+      </inkml:annotationXML>
+      <inkml:traceGroup>
+        <inkml:annotationXML>
+          <emma:emma xmlns:emma="http://www.w3.org/2003/04/emma" version="1.0">
+            <emma:interpretation id="{04C70797-C327-417B-8E18-01FA23E3FB8E}" emma:medium="tactile" emma:mode="ink">
+              <msink:context xmlns:msink="http://schemas.microsoft.com/ink/2010/main" type="line" rotatedBoundingBox="30612,13648 31652,13648 31652,14620 30612,14620"/>
+            </emma:interpretation>
+          </emma:emma>
+        </inkml:annotationXML>
+        <inkml:traceGroup>
+          <inkml:annotationXML>
+            <emma:emma xmlns:emma="http://www.w3.org/2003/04/emma" version="1.0">
+              <emma:interpretation id="{5E9EAEAD-B7F8-492F-9AF7-B846CBD97AB2}" emma:medium="tactile" emma:mode="ink">
+                <msink:context xmlns:msink="http://schemas.microsoft.com/ink/2010/main" type="inkWord" rotatedBoundingBox="30612,13648 31652,13648 31652,14620 30612,14620"/>
+              </emma:interpretation>
+              <emma:one-of disjunction-type="recognition" id="oneOf0">
+                <emma:interpretation id="interp0" emma:lang="" emma:confidence="0">
+                  <emma:literal>〇</emma:literal>
+                </emma:interpretation>
+                <emma:interpretation id="interp1" emma:lang="" emma:confidence="0">
+                  <emma:literal>0</emma:literal>
+                </emma:interpretation>
+                <emma:interpretation id="interp2" emma:lang="" emma:confidence="0">
+                  <emma:literal>&amp;</emma:literal>
+                </emma:interpretation>
+                <emma:interpretation id="interp3" emma:lang="" emma:confidence="0">
+                  <emma:literal>O</emma:literal>
+                </emma:interpretation>
+                <emma:interpretation id="interp4" emma:lang="" emma:confidence="0">
+                  <emma:literal>J</emma:literal>
+                </emma:interpretation>
+              </emma:one-of>
+            </emma:emma>
+          </inkml:annotationXML>
+          <inkml:trace contextRef="#ctx0" brushRef="#br0">903 970 0,'0'0'0,"0"0"0,0 0 0,0 0 0,0 0 0,0 0 0,0 0 16,0 0-16,-103 0 0,-92 0 16,136 0-16,-9 0 0,6-24 15,1-7-15,9 2 16,1 0-16,-2 0 0,4-2 15,3-3-15,9-3 16,13 9-16,5-2 0,2-1 16,9 5-16,8-14 15,2-7-15,-1-1 0,18-3 16,12-2-16,15-3 0,9-2 16,10 6-16,3 5 15,1 9-15,-4 5 0,-12 7 16,0 5-16,1 2 15,-3 2-15,2 11 16,-1 5-16,-5 2 0,-1 4 16,-8-4-16,-8 2 0,-2 2 15,-6 1-15,-6 1 0,-4 2 16,2 3-16,-3 1 16,-2 2-16,0 5 0,-1 4 15,-3 6 1,-5 2-16,0 15 0,-4 12 0,11 8 15,-2 5 1,-5-8-16,0-24 0,0-11 16,-2-11-16,2-6 15,0-9-15,0-3 0,0-2 16,-4-21-16</inkml:trace>
+        </inkml:traceGroup>
+      </inkml:traceGroup>
+    </inkml:traceGroup>
   </inkml:traceGroup>
 </inkml:ink>
 </file>
@@ -761,7 +1154,7 @@
           <a:p>
             <a:fld id="{C78335B2-3F3A-44EF-82BF-4A1893033EAF}" type="datetimeFigureOut">
               <a:rPr lang="ko-KR" altLang="en-US" smtClean="0"/>
-              <a:t>2024-08-06</a:t>
+              <a:t>2024-08-10</a:t>
             </a:fld>
             <a:endParaRPr lang="ko-KR" altLang="en-US"/>
           </a:p>
@@ -931,7 +1324,7 @@
           <a:p>
             <a:fld id="{C78335B2-3F3A-44EF-82BF-4A1893033EAF}" type="datetimeFigureOut">
               <a:rPr lang="ko-KR" altLang="en-US" smtClean="0"/>
-              <a:t>2024-08-06</a:t>
+              <a:t>2024-08-10</a:t>
             </a:fld>
             <a:endParaRPr lang="ko-KR" altLang="en-US"/>
           </a:p>
@@ -1111,7 +1504,7 @@
           <a:p>
             <a:fld id="{C78335B2-3F3A-44EF-82BF-4A1893033EAF}" type="datetimeFigureOut">
               <a:rPr lang="ko-KR" altLang="en-US" smtClean="0"/>
-              <a:t>2024-08-06</a:t>
+              <a:t>2024-08-10</a:t>
             </a:fld>
             <a:endParaRPr lang="ko-KR" altLang="en-US"/>
           </a:p>
@@ -1281,7 +1674,7 @@
           <a:p>
             <a:fld id="{C78335B2-3F3A-44EF-82BF-4A1893033EAF}" type="datetimeFigureOut">
               <a:rPr lang="ko-KR" altLang="en-US" smtClean="0"/>
-              <a:t>2024-08-06</a:t>
+              <a:t>2024-08-10</a:t>
             </a:fld>
             <a:endParaRPr lang="ko-KR" altLang="en-US"/>
           </a:p>
@@ -1527,7 +1920,7 @@
           <a:p>
             <a:fld id="{C78335B2-3F3A-44EF-82BF-4A1893033EAF}" type="datetimeFigureOut">
               <a:rPr lang="ko-KR" altLang="en-US" smtClean="0"/>
-              <a:t>2024-08-06</a:t>
+              <a:t>2024-08-10</a:t>
             </a:fld>
             <a:endParaRPr lang="ko-KR" altLang="en-US"/>
           </a:p>
@@ -1759,7 +2152,7 @@
           <a:p>
             <a:fld id="{C78335B2-3F3A-44EF-82BF-4A1893033EAF}" type="datetimeFigureOut">
               <a:rPr lang="ko-KR" altLang="en-US" smtClean="0"/>
-              <a:t>2024-08-06</a:t>
+              <a:t>2024-08-10</a:t>
             </a:fld>
             <a:endParaRPr lang="ko-KR" altLang="en-US"/>
           </a:p>
@@ -2126,7 +2519,7 @@
           <a:p>
             <a:fld id="{C78335B2-3F3A-44EF-82BF-4A1893033EAF}" type="datetimeFigureOut">
               <a:rPr lang="ko-KR" altLang="en-US" smtClean="0"/>
-              <a:t>2024-08-06</a:t>
+              <a:t>2024-08-10</a:t>
             </a:fld>
             <a:endParaRPr lang="ko-KR" altLang="en-US"/>
           </a:p>
@@ -2244,7 +2637,7 @@
           <a:p>
             <a:fld id="{C78335B2-3F3A-44EF-82BF-4A1893033EAF}" type="datetimeFigureOut">
               <a:rPr lang="ko-KR" altLang="en-US" smtClean="0"/>
-              <a:t>2024-08-06</a:t>
+              <a:t>2024-08-10</a:t>
             </a:fld>
             <a:endParaRPr lang="ko-KR" altLang="en-US"/>
           </a:p>
@@ -2339,7 +2732,7 @@
           <a:p>
             <a:fld id="{C78335B2-3F3A-44EF-82BF-4A1893033EAF}" type="datetimeFigureOut">
               <a:rPr lang="ko-KR" altLang="en-US" smtClean="0"/>
-              <a:t>2024-08-06</a:t>
+              <a:t>2024-08-10</a:t>
             </a:fld>
             <a:endParaRPr lang="ko-KR" altLang="en-US"/>
           </a:p>
@@ -2616,7 +3009,7 @@
           <a:p>
             <a:fld id="{C78335B2-3F3A-44EF-82BF-4A1893033EAF}" type="datetimeFigureOut">
               <a:rPr lang="ko-KR" altLang="en-US" smtClean="0"/>
-              <a:t>2024-08-06</a:t>
+              <a:t>2024-08-10</a:t>
             </a:fld>
             <a:endParaRPr lang="ko-KR" altLang="en-US"/>
           </a:p>
@@ -2869,7 +3262,7 @@
           <a:p>
             <a:fld id="{C78335B2-3F3A-44EF-82BF-4A1893033EAF}" type="datetimeFigureOut">
               <a:rPr lang="ko-KR" altLang="en-US" smtClean="0"/>
-              <a:t>2024-08-06</a:t>
+              <a:t>2024-08-10</a:t>
             </a:fld>
             <a:endParaRPr lang="ko-KR" altLang="en-US"/>
           </a:p>
@@ -3082,7 +3475,7 @@
           <a:p>
             <a:fld id="{C78335B2-3F3A-44EF-82BF-4A1893033EAF}" type="datetimeFigureOut">
               <a:rPr lang="ko-KR" altLang="en-US" smtClean="0"/>
-              <a:t>2024-08-06</a:t>
+              <a:t>2024-08-10</a:t>
             </a:fld>
             <a:endParaRPr lang="ko-KR" altLang="en-US"/>
           </a:p>
@@ -3566,11 +3959,7 @@
           <a:p>
             <a:r>
               <a:rPr lang="ko-KR" altLang="en-US" sz="1500" dirty="0" smtClean="0"/>
-              <a:t>설정 </a:t>
-            </a:r>
-            <a:r>
-              <a:rPr lang="ko-KR" altLang="en-US" sz="1500" dirty="0" smtClean="0"/>
-              <a:t>해주려고 했는데</a:t>
+              <a:t>설정 해주려고 했는데</a:t>
             </a:r>
             <a:endParaRPr lang="en-US" altLang="ko-KR" sz="1500" dirty="0" smtClean="0"/>
           </a:p>
@@ -3636,11 +4025,7 @@
             </a:r>
             <a:r>
               <a:rPr lang="ko-KR" altLang="en-US" sz="1500" dirty="0" smtClean="0"/>
-              <a:t>초기 </a:t>
-            </a:r>
-            <a:r>
-              <a:rPr lang="ko-KR" altLang="en-US" sz="1500" dirty="0" smtClean="0"/>
-              <a:t>환경설정</a:t>
+              <a:t>초기 환경설정</a:t>
             </a:r>
             <a:endParaRPr lang="en-US" altLang="ko-KR" sz="1500" dirty="0" smtClean="0"/>
           </a:p>
@@ -6226,6 +6611,504 @@
 </file>
 
 <file path=ppt/slides/slide6.xml><?xml version="1.0" encoding="utf-8"?>
+<p:sld xmlns:a="http://schemas.openxmlformats.org/drawingml/2006/main" xmlns:r="http://schemas.openxmlformats.org/officeDocument/2006/relationships" xmlns:p="http://schemas.openxmlformats.org/presentationml/2006/main">
+  <p:cSld>
+    <p:spTree>
+      <p:nvGrpSpPr>
+        <p:cNvPr id="1" name=""/>
+        <p:cNvGrpSpPr/>
+        <p:nvPr/>
+      </p:nvGrpSpPr>
+      <p:grpSpPr>
+        <a:xfrm>
+          <a:off x="0" y="0"/>
+          <a:ext cx="0" cy="0"/>
+          <a:chOff x="0" y="0"/>
+          <a:chExt cx="0" cy="0"/>
+        </a:xfrm>
+      </p:grpSpPr>
+      <p:grpSp>
+        <p:nvGrpSpPr>
+          <p:cNvPr id="23" name="그룹 22"/>
+          <p:cNvGrpSpPr/>
+          <p:nvPr/>
+        </p:nvGrpSpPr>
+        <p:grpSpPr>
+          <a:xfrm>
+            <a:off x="79097" y="73204"/>
+            <a:ext cx="6842698" cy="2873838"/>
+            <a:chOff x="153525" y="132907"/>
+            <a:chExt cx="6842698" cy="2873838"/>
+          </a:xfrm>
+        </p:grpSpPr>
+        <p:pic>
+          <p:nvPicPr>
+            <p:cNvPr id="4" name="그림 3"/>
+            <p:cNvPicPr>
+              <a:picLocks noChangeAspect="1"/>
+            </p:cNvPicPr>
+            <p:nvPr/>
+          </p:nvPicPr>
+          <p:blipFill>
+            <a:blip r:embed="rId2"/>
+            <a:stretch>
+              <a:fillRect/>
+            </a:stretch>
+          </p:blipFill>
+          <p:spPr>
+            <a:xfrm>
+              <a:off x="153525" y="132907"/>
+              <a:ext cx="6842698" cy="2873838"/>
+            </a:xfrm>
+            <a:prstGeom prst="rect">
+              <a:avLst/>
+            </a:prstGeom>
+          </p:spPr>
+        </p:pic>
+        <mc:AlternateContent xmlns:mc="http://schemas.openxmlformats.org/markup-compatibility/2006">
+          <mc:Choice xmlns:p14="http://schemas.microsoft.com/office/powerpoint/2010/main" Requires="p14">
+            <p:contentPart p14:bwMode="auto" r:id="rId3">
+              <p14:nvContentPartPr>
+                <p14:cNvPr id="11" name="잉크 10"/>
+                <p14:cNvContentPartPr/>
+                <p14:nvPr/>
+              </p14:nvContentPartPr>
+              <p14:xfrm>
+                <a:off x="5340148" y="560185"/>
+                <a:ext cx="573480" cy="446760"/>
+              </p14:xfrm>
+            </p:contentPart>
+          </mc:Choice>
+          <mc:Fallback>
+            <p:pic>
+              <p:nvPicPr>
+                <p:cNvPr id="11" name="잉크 10"/>
+                <p:cNvPicPr/>
+                <p:nvPr/>
+              </p:nvPicPr>
+              <p:blipFill>
+                <a:blip r:embed="rId4"/>
+                <a:stretch>
+                  <a:fillRect/>
+                </a:stretch>
+              </p:blipFill>
+              <p:spPr>
+                <a:xfrm>
+                  <a:off x="5316028" y="536065"/>
+                  <a:ext cx="621720" cy="495000"/>
+                </a:xfrm>
+                <a:prstGeom prst="rect">
+                  <a:avLst/>
+                </a:prstGeom>
+              </p:spPr>
+            </p:pic>
+          </mc:Fallback>
+        </mc:AlternateContent>
+      </p:grpSp>
+      <p:grpSp>
+        <p:nvGrpSpPr>
+          <p:cNvPr id="22" name="그룹 21"/>
+          <p:cNvGrpSpPr/>
+          <p:nvPr/>
+        </p:nvGrpSpPr>
+        <p:grpSpPr>
+          <a:xfrm>
+            <a:off x="153525" y="3054317"/>
+            <a:ext cx="5120224" cy="3677779"/>
+            <a:chOff x="153525" y="3054317"/>
+            <a:chExt cx="5120224" cy="3677779"/>
+          </a:xfrm>
+        </p:grpSpPr>
+        <p:pic>
+          <p:nvPicPr>
+            <p:cNvPr id="15" name="그림 14"/>
+            <p:cNvPicPr>
+              <a:picLocks noChangeAspect="1"/>
+            </p:cNvPicPr>
+            <p:nvPr/>
+          </p:nvPicPr>
+          <p:blipFill>
+            <a:blip r:embed="rId5"/>
+            <a:stretch>
+              <a:fillRect/>
+            </a:stretch>
+          </p:blipFill>
+          <p:spPr>
+            <a:xfrm>
+              <a:off x="153525" y="3054317"/>
+              <a:ext cx="5120224" cy="3677779"/>
+            </a:xfrm>
+            <a:prstGeom prst="rect">
+              <a:avLst/>
+            </a:prstGeom>
+          </p:spPr>
+        </p:pic>
+        <mc:AlternateContent xmlns:mc="http://schemas.openxmlformats.org/markup-compatibility/2006">
+          <mc:Choice xmlns:p14="http://schemas.microsoft.com/office/powerpoint/2010/main" Requires="p14">
+            <p:contentPart p14:bwMode="auto" r:id="rId6">
+              <p14:nvContentPartPr>
+                <p14:cNvPr id="17" name="잉크 16"/>
+                <p14:cNvContentPartPr/>
+                <p14:nvPr/>
+              </p14:nvContentPartPr>
+              <p14:xfrm>
+                <a:off x="190708" y="5418385"/>
+                <a:ext cx="436320" cy="599040"/>
+              </p14:xfrm>
+            </p:contentPart>
+          </mc:Choice>
+          <mc:Fallback>
+            <p:pic>
+              <p:nvPicPr>
+                <p:cNvPr id="17" name="잉크 16"/>
+                <p:cNvPicPr/>
+                <p:nvPr/>
+              </p:nvPicPr>
+              <p:blipFill>
+                <a:blip r:embed="rId7"/>
+                <a:stretch>
+                  <a:fillRect/>
+                </a:stretch>
+              </p:blipFill>
+              <p:spPr>
+                <a:xfrm>
+                  <a:off x="166588" y="5394265"/>
+                  <a:ext cx="484560" cy="647280"/>
+                </a:xfrm>
+                <a:prstGeom prst="rect">
+                  <a:avLst/>
+                </a:prstGeom>
+              </p:spPr>
+            </p:pic>
+          </mc:Fallback>
+        </mc:AlternateContent>
+        <mc:AlternateContent xmlns:mc="http://schemas.openxmlformats.org/markup-compatibility/2006">
+          <mc:Choice xmlns:p14="http://schemas.microsoft.com/office/powerpoint/2010/main" Requires="p14">
+            <p:contentPart p14:bwMode="auto" r:id="rId8">
+              <p14:nvContentPartPr>
+                <p14:cNvPr id="19" name="잉크 18"/>
+                <p14:cNvContentPartPr/>
+                <p14:nvPr/>
+              </p14:nvContentPartPr>
+              <p14:xfrm>
+                <a:off x="1185748" y="3816025"/>
+                <a:ext cx="1263240" cy="838800"/>
+              </p14:xfrm>
+            </p:contentPart>
+          </mc:Choice>
+          <mc:Fallback>
+            <p:pic>
+              <p:nvPicPr>
+                <p:cNvPr id="19" name="잉크 18"/>
+                <p:cNvPicPr/>
+                <p:nvPr/>
+              </p:nvPicPr>
+              <p:blipFill>
+                <a:blip r:embed="rId9"/>
+                <a:stretch>
+                  <a:fillRect/>
+                </a:stretch>
+              </p:blipFill>
+              <p:spPr>
+                <a:xfrm>
+                  <a:off x="1161628" y="3791905"/>
+                  <a:ext cx="1311480" cy="887040"/>
+                </a:xfrm>
+                <a:prstGeom prst="rect">
+                  <a:avLst/>
+                </a:prstGeom>
+              </p:spPr>
+            </p:pic>
+          </mc:Fallback>
+        </mc:AlternateContent>
+        <mc:AlternateContent xmlns:mc="http://schemas.openxmlformats.org/markup-compatibility/2006">
+          <mc:Choice xmlns:p14="http://schemas.microsoft.com/office/powerpoint/2010/main" Requires="p14">
+            <p:contentPart p14:bwMode="auto" r:id="rId10">
+              <p14:nvContentPartPr>
+                <p14:cNvPr id="21" name="잉크 20"/>
+                <p14:cNvContentPartPr/>
+                <p14:nvPr/>
+              </p14:nvContentPartPr>
+              <p14:xfrm>
+                <a:off x="4302988" y="6142705"/>
+                <a:ext cx="784440" cy="573480"/>
+              </p14:xfrm>
+            </p:contentPart>
+          </mc:Choice>
+          <mc:Fallback>
+            <p:pic>
+              <p:nvPicPr>
+                <p:cNvPr id="21" name="잉크 20"/>
+                <p:cNvPicPr/>
+                <p:nvPr/>
+              </p:nvPicPr>
+              <p:blipFill>
+                <a:blip r:embed="rId11"/>
+                <a:stretch>
+                  <a:fillRect/>
+                </a:stretch>
+              </p:blipFill>
+              <p:spPr>
+                <a:xfrm>
+                  <a:off x="4278868" y="6118585"/>
+                  <a:ext cx="832680" cy="621720"/>
+                </a:xfrm>
+                <a:prstGeom prst="rect">
+                  <a:avLst/>
+                </a:prstGeom>
+              </p:spPr>
+            </p:pic>
+          </mc:Fallback>
+        </mc:AlternateContent>
+      </p:grpSp>
+      <p:grpSp>
+        <p:nvGrpSpPr>
+          <p:cNvPr id="37" name="그룹 36"/>
+          <p:cNvGrpSpPr/>
+          <p:nvPr/>
+        </p:nvGrpSpPr>
+        <p:grpSpPr>
+          <a:xfrm>
+            <a:off x="6702725" y="73204"/>
+            <a:ext cx="5489275" cy="5068708"/>
+            <a:chOff x="6702725" y="73204"/>
+            <a:chExt cx="5489275" cy="5068708"/>
+          </a:xfrm>
+        </p:grpSpPr>
+        <p:pic>
+          <p:nvPicPr>
+            <p:cNvPr id="24" name="그림 23"/>
+            <p:cNvPicPr>
+              <a:picLocks noChangeAspect="1"/>
+            </p:cNvPicPr>
+            <p:nvPr/>
+          </p:nvPicPr>
+          <p:blipFill>
+            <a:blip r:embed="rId12"/>
+            <a:stretch>
+              <a:fillRect/>
+            </a:stretch>
+          </p:blipFill>
+          <p:spPr>
+            <a:xfrm>
+              <a:off x="6702725" y="73204"/>
+              <a:ext cx="5489275" cy="5068708"/>
+            </a:xfrm>
+            <a:prstGeom prst="rect">
+              <a:avLst/>
+            </a:prstGeom>
+          </p:spPr>
+        </p:pic>
+        <mc:AlternateContent xmlns:mc="http://schemas.openxmlformats.org/markup-compatibility/2006">
+          <mc:Choice xmlns:p14="http://schemas.microsoft.com/office/powerpoint/2010/main" Requires="p14">
+            <p:contentPart p14:bwMode="auto" r:id="rId13">
+              <p14:nvContentPartPr>
+                <p14:cNvPr id="29" name="잉크 28"/>
+                <p14:cNvContentPartPr/>
+                <p14:nvPr/>
+              </p14:nvContentPartPr>
+              <p14:xfrm>
+                <a:off x="7269028" y="721465"/>
+                <a:ext cx="349560" cy="23040"/>
+              </p14:xfrm>
+            </p:contentPart>
+          </mc:Choice>
+          <mc:Fallback>
+            <p:pic>
+              <p:nvPicPr>
+                <p:cNvPr id="29" name="잉크 28"/>
+                <p:cNvPicPr/>
+                <p:nvPr/>
+              </p:nvPicPr>
+              <p:blipFill>
+                <a:blip r:embed="rId14"/>
+                <a:stretch>
+                  <a:fillRect/>
+                </a:stretch>
+              </p:blipFill>
+              <p:spPr>
+                <a:xfrm>
+                  <a:off x="7244908" y="697345"/>
+                  <a:ext cx="397800" cy="71280"/>
+                </a:xfrm>
+                <a:prstGeom prst="rect">
+                  <a:avLst/>
+                </a:prstGeom>
+              </p:spPr>
+            </p:pic>
+          </mc:Fallback>
+        </mc:AlternateContent>
+        <mc:AlternateContent xmlns:mc="http://schemas.openxmlformats.org/markup-compatibility/2006">
+          <mc:Choice xmlns:p14="http://schemas.microsoft.com/office/powerpoint/2010/main" Requires="p14">
+            <p:contentPart p14:bwMode="auto" r:id="rId15">
+              <p14:nvContentPartPr>
+                <p14:cNvPr id="31" name="잉크 30"/>
+                <p14:cNvContentPartPr/>
+                <p14:nvPr/>
+              </p14:nvContentPartPr>
+              <p14:xfrm>
+                <a:off x="9617668" y="1203145"/>
+                <a:ext cx="1669680" cy="36720"/>
+              </p14:xfrm>
+            </p:contentPart>
+          </mc:Choice>
+          <mc:Fallback>
+            <p:pic>
+              <p:nvPicPr>
+                <p:cNvPr id="31" name="잉크 30"/>
+                <p:cNvPicPr/>
+                <p:nvPr/>
+              </p:nvPicPr>
+              <p:blipFill>
+                <a:blip r:embed="rId16"/>
+                <a:stretch>
+                  <a:fillRect/>
+                </a:stretch>
+              </p:blipFill>
+              <p:spPr>
+                <a:xfrm>
+                  <a:off x="9593548" y="1179025"/>
+                  <a:ext cx="1717920" cy="84960"/>
+                </a:xfrm>
+                <a:prstGeom prst="rect">
+                  <a:avLst/>
+                </a:prstGeom>
+              </p:spPr>
+            </p:pic>
+          </mc:Fallback>
+        </mc:AlternateContent>
+      </p:grpSp>
+      <p:grpSp>
+        <p:nvGrpSpPr>
+          <p:cNvPr id="38" name="그룹 37"/>
+          <p:cNvGrpSpPr/>
+          <p:nvPr/>
+        </p:nvGrpSpPr>
+        <p:grpSpPr>
+          <a:xfrm>
+            <a:off x="6305972" y="2603579"/>
+            <a:ext cx="5051644" cy="4102491"/>
+            <a:chOff x="6305972" y="2603579"/>
+            <a:chExt cx="5051644" cy="4102491"/>
+          </a:xfrm>
+        </p:grpSpPr>
+        <p:pic>
+          <p:nvPicPr>
+            <p:cNvPr id="25" name="그림 24"/>
+            <p:cNvPicPr>
+              <a:picLocks noChangeAspect="1"/>
+            </p:cNvPicPr>
+            <p:nvPr/>
+          </p:nvPicPr>
+          <p:blipFill>
+            <a:blip r:embed="rId17"/>
+            <a:stretch>
+              <a:fillRect/>
+            </a:stretch>
+          </p:blipFill>
+          <p:spPr>
+            <a:xfrm>
+              <a:off x="6305972" y="2603579"/>
+              <a:ext cx="5051644" cy="4102491"/>
+            </a:xfrm>
+            <a:prstGeom prst="rect">
+              <a:avLst/>
+            </a:prstGeom>
+          </p:spPr>
+        </p:pic>
+        <mc:AlternateContent xmlns:mc="http://schemas.openxmlformats.org/markup-compatibility/2006">
+          <mc:Choice xmlns:p14="http://schemas.microsoft.com/office/powerpoint/2010/main" Requires="p14">
+            <p:contentPart p14:bwMode="auto" r:id="rId18">
+              <p14:nvContentPartPr>
+                <p14:cNvPr id="34" name="잉크 33"/>
+                <p14:cNvContentPartPr/>
+                <p14:nvPr/>
+              </p14:nvContentPartPr>
+              <p14:xfrm>
+                <a:off x="6352828" y="2935825"/>
+                <a:ext cx="788400" cy="654840"/>
+              </p14:xfrm>
+            </p:contentPart>
+          </mc:Choice>
+          <mc:Fallback>
+            <p:pic>
+              <p:nvPicPr>
+                <p:cNvPr id="34" name="잉크 33"/>
+                <p:cNvPicPr/>
+                <p:nvPr/>
+              </p:nvPicPr>
+              <p:blipFill>
+                <a:blip r:embed="rId19"/>
+                <a:stretch>
+                  <a:fillRect/>
+                </a:stretch>
+              </p:blipFill>
+              <p:spPr>
+                <a:xfrm>
+                  <a:off x="6328708" y="2911705"/>
+                  <a:ext cx="836640" cy="703080"/>
+                </a:xfrm>
+                <a:prstGeom prst="rect">
+                  <a:avLst/>
+                </a:prstGeom>
+              </p:spPr>
+            </p:pic>
+          </mc:Fallback>
+        </mc:AlternateContent>
+        <mc:AlternateContent xmlns:mc="http://schemas.openxmlformats.org/markup-compatibility/2006">
+          <mc:Choice xmlns:p14="http://schemas.microsoft.com/office/powerpoint/2010/main" Requires="p14">
+            <p:contentPart p14:bwMode="auto" r:id="rId20">
+              <p14:nvContentPartPr>
+                <p14:cNvPr id="36" name="잉크 35"/>
+                <p14:cNvContentPartPr/>
+                <p14:nvPr/>
+              </p14:nvContentPartPr>
+              <p14:xfrm>
+                <a:off x="7577908" y="3764905"/>
+                <a:ext cx="823680" cy="360"/>
+              </p14:xfrm>
+            </p:contentPart>
+          </mc:Choice>
+          <mc:Fallback>
+            <p:pic>
+              <p:nvPicPr>
+                <p:cNvPr id="36" name="잉크 35"/>
+                <p:cNvPicPr/>
+                <p:nvPr/>
+              </p:nvPicPr>
+              <p:blipFill>
+                <a:blip r:embed="rId21"/>
+                <a:stretch>
+                  <a:fillRect/>
+                </a:stretch>
+              </p:blipFill>
+              <p:spPr>
+                <a:xfrm>
+                  <a:off x="7553788" y="3740785"/>
+                  <a:ext cx="871920" cy="48600"/>
+                </a:xfrm>
+                <a:prstGeom prst="rect">
+                  <a:avLst/>
+                </a:prstGeom>
+              </p:spPr>
+            </p:pic>
+          </mc:Fallback>
+        </mc:AlternateContent>
+      </p:grpSp>
+    </p:spTree>
+    <p:extLst>
+      <p:ext uri="{BB962C8B-B14F-4D97-AF65-F5344CB8AC3E}">
+        <p14:creationId xmlns:p14="http://schemas.microsoft.com/office/powerpoint/2010/main" val="3749141764"/>
+      </p:ext>
+    </p:extLst>
+  </p:cSld>
+  <p:clrMapOvr>
+    <a:masterClrMapping/>
+  </p:clrMapOvr>
+</p:sld>
+</file>
+
+<file path=ppt/slides/slide7.xml><?xml version="1.0" encoding="utf-8"?>
 <p:sld xmlns:a="http://schemas.openxmlformats.org/drawingml/2006/main" xmlns:r="http://schemas.openxmlformats.org/officeDocument/2006/relationships" xmlns:p="http://schemas.openxmlformats.org/presentationml/2006/main">
   <p:cSld>
     <p:spTree>
@@ -6627,8 +7510,8 @@
           </p:txBody>
         </p:sp>
       </p:grpSp>
-      <mc:AlternateContent xmlns:mc="http://schemas.openxmlformats.org/markup-compatibility/2006">
-        <mc:Choice xmlns:p14="http://schemas.microsoft.com/office/powerpoint/2010/main" Requires="p14">
+      <mc:AlternateContent xmlns:mc="http://schemas.openxmlformats.org/markup-compatibility/2006" xmlns:p14="http://schemas.microsoft.com/office/powerpoint/2010/main">
+        <mc:Choice Requires="p14">
           <p:contentPart p14:bwMode="auto" r:id="rId7">
             <p14:nvContentPartPr>
               <p14:cNvPr id="23" name="잉크 22"/>
@@ -6641,7 +7524,7 @@
             </p14:xfrm>
           </p:contentPart>
         </mc:Choice>
-        <mc:Fallback>
+        <mc:Fallback xmlns="">
           <p:pic>
             <p:nvPicPr>
               <p:cNvPr id="23" name="잉크 22"/>
@@ -6666,8 +7549,8 @@
           </p:pic>
         </mc:Fallback>
       </mc:AlternateContent>
-      <mc:AlternateContent xmlns:mc="http://schemas.openxmlformats.org/markup-compatibility/2006">
-        <mc:Choice xmlns:p14="http://schemas.microsoft.com/office/powerpoint/2010/main" Requires="p14">
+      <mc:AlternateContent xmlns:mc="http://schemas.openxmlformats.org/markup-compatibility/2006" xmlns:p14="http://schemas.microsoft.com/office/powerpoint/2010/main">
+        <mc:Choice Requires="p14">
           <p:contentPart p14:bwMode="auto" r:id="rId9">
             <p14:nvContentPartPr>
               <p14:cNvPr id="27" name="잉크 26"/>
@@ -6680,7 +7563,7 @@
             </p14:xfrm>
           </p:contentPart>
         </mc:Choice>
-        <mc:Fallback>
+        <mc:Fallback xmlns="">
           <p:pic>
             <p:nvPicPr>
               <p:cNvPr id="27" name="잉크 26"/>
@@ -6705,8 +7588,8 @@
           </p:pic>
         </mc:Fallback>
       </mc:AlternateContent>
-      <mc:AlternateContent xmlns:mc="http://schemas.openxmlformats.org/markup-compatibility/2006">
-        <mc:Choice xmlns:p14="http://schemas.microsoft.com/office/powerpoint/2010/main" Requires="p14">
+      <mc:AlternateContent xmlns:mc="http://schemas.openxmlformats.org/markup-compatibility/2006" xmlns:p14="http://schemas.microsoft.com/office/powerpoint/2010/main">
+        <mc:Choice Requires="p14">
           <p:contentPart p14:bwMode="auto" r:id="rId11">
             <p14:nvContentPartPr>
               <p14:cNvPr id="31" name="잉크 30"/>
@@ -6719,7 +7602,7 @@
             </p14:xfrm>
           </p:contentPart>
         </mc:Choice>
-        <mc:Fallback>
+        <mc:Fallback xmlns="">
           <p:pic>
             <p:nvPicPr>
               <p:cNvPr id="31" name="잉크 30"/>
@@ -6744,8 +7627,8 @@
           </p:pic>
         </mc:Fallback>
       </mc:AlternateContent>
-      <mc:AlternateContent xmlns:mc="http://schemas.openxmlformats.org/markup-compatibility/2006">
-        <mc:Choice xmlns:p14="http://schemas.microsoft.com/office/powerpoint/2010/main" Requires="p14">
+      <mc:AlternateContent xmlns:mc="http://schemas.openxmlformats.org/markup-compatibility/2006" xmlns:p14="http://schemas.microsoft.com/office/powerpoint/2010/main">
+        <mc:Choice Requires="p14">
           <p:contentPart p14:bwMode="auto" r:id="rId13">
             <p14:nvContentPartPr>
               <p14:cNvPr id="35" name="잉크 34"/>
@@ -6758,7 +7641,7 @@
             </p14:xfrm>
           </p:contentPart>
         </mc:Choice>
-        <mc:Fallback>
+        <mc:Fallback xmlns="">
           <p:pic>
             <p:nvPicPr>
               <p:cNvPr id="35" name="잉크 34"/>
@@ -6796,7 +7679,7 @@
 </p:sld>
 </file>
 
-<file path=ppt/slides/slide7.xml><?xml version="1.0" encoding="utf-8"?>
+<file path=ppt/slides/slide8.xml><?xml version="1.0" encoding="utf-8"?>
 <p:sld xmlns:a="http://schemas.openxmlformats.org/drawingml/2006/main" xmlns:r="http://schemas.openxmlformats.org/officeDocument/2006/relationships" xmlns:p="http://schemas.openxmlformats.org/presentationml/2006/main">
   <p:cSld>
     <p:spTree>
@@ -6851,8 +7734,8 @@
             </a:prstGeom>
           </p:spPr>
         </p:pic>
-        <mc:AlternateContent xmlns:mc="http://schemas.openxmlformats.org/markup-compatibility/2006">
-          <mc:Choice xmlns:p14="http://schemas.microsoft.com/office/powerpoint/2010/main" Requires="p14">
+        <mc:AlternateContent xmlns:mc="http://schemas.openxmlformats.org/markup-compatibility/2006" xmlns:p14="http://schemas.microsoft.com/office/powerpoint/2010/main">
+          <mc:Choice Requires="p14">
             <p:contentPart p14:bwMode="auto" r:id="rId3">
               <p14:nvContentPartPr>
                 <p14:cNvPr id="7" name="잉크 6"/>
@@ -6865,7 +7748,7 @@
               </p14:xfrm>
             </p:contentPart>
           </mc:Choice>
-          <mc:Fallback>
+          <mc:Fallback xmlns="">
             <p:pic>
               <p:nvPicPr>
                 <p:cNvPr id="7" name="잉크 6"/>
@@ -6929,8 +7812,8 @@
             </a:prstGeom>
           </p:spPr>
         </p:pic>
-        <mc:AlternateContent xmlns:mc="http://schemas.openxmlformats.org/markup-compatibility/2006">
-          <mc:Choice xmlns:p14="http://schemas.microsoft.com/office/powerpoint/2010/main" Requires="p14">
+        <mc:AlternateContent xmlns:mc="http://schemas.openxmlformats.org/markup-compatibility/2006" xmlns:p14="http://schemas.microsoft.com/office/powerpoint/2010/main">
+          <mc:Choice Requires="p14">
             <p:contentPart p14:bwMode="auto" r:id="rId6">
               <p14:nvContentPartPr>
                 <p14:cNvPr id="9" name="잉크 8"/>
@@ -6943,7 +7826,7 @@
               </p14:xfrm>
             </p:contentPart>
           </mc:Choice>
-          <mc:Fallback>
+          <mc:Fallback xmlns="">
             <p:pic>
               <p:nvPicPr>
                 <p:cNvPr id="9" name="잉크 8"/>

--- a/메모장.pptx
+++ b/메모장.pptx
@@ -10,9 +10,10 @@
     <p:sldId id="258" r:id="rId4"/>
     <p:sldId id="259" r:id="rId5"/>
     <p:sldId id="260" r:id="rId6"/>
-    <p:sldId id="263" r:id="rId7"/>
-    <p:sldId id="261" r:id="rId8"/>
-    <p:sldId id="262" r:id="rId9"/>
+    <p:sldId id="264" r:id="rId7"/>
+    <p:sldId id="263" r:id="rId8"/>
+    <p:sldId id="261" r:id="rId9"/>
+    <p:sldId id="262" r:id="rId10"/>
   </p:sldIdLst>
   <p:sldSz cx="12192000" cy="6858000"/>
   <p:notesSz cx="6858000" cy="9144000"/>
@@ -121,7 +122,7 @@
 
 <file path=ppt/commentAuthors.xml><?xml version="1.0" encoding="utf-8"?>
 <p:cmAuthorLst xmlns:a="http://schemas.openxmlformats.org/drawingml/2006/main" xmlns:r="http://schemas.openxmlformats.org/officeDocument/2006/relationships" xmlns:p="http://schemas.openxmlformats.org/presentationml/2006/main">
-  <p:cmAuthor id="1" name="김다빈" initials="김" lastIdx="3" clrIdx="0">
+  <p:cmAuthor id="1" name="김다빈" initials="김" lastIdx="5" clrIdx="0">
     <p:extLst>
       <p:ext uri="{19B8F6BF-5375-455C-9EA6-DF929625EA0E}">
         <p15:presenceInfo xmlns:p15="http://schemas.microsoft.com/office/powerpoint/2012/main" userId="ce3ef8c0384407c6" providerId="Windows Live"/>
@@ -164,6 +165,20 @@
   <p:cm authorId="1" dt="2024-08-04T02:55:54.241" idx="1">
     <p:pos x="10" y="10"/>
     <p:text>투두리스트에 불편한 점들 혹은 추가 하면 좋은 점들</p:text>
+    <p:extLst>
+      <p:ext uri="{C676402C-5697-4E1C-873F-D02D1690AC5C}">
+        <p15:threadingInfo xmlns:p15="http://schemas.microsoft.com/office/powerpoint/2012/main" timeZoneBias="-540"/>
+      </p:ext>
+    </p:extLst>
+  </p:cm>
+</p:cmLst>
+</file>
+
+<file path=ppt/comments/comment4.xml><?xml version="1.0" encoding="utf-8"?>
+<p:cmLst xmlns:a="http://schemas.openxmlformats.org/drawingml/2006/main" xmlns:r="http://schemas.openxmlformats.org/officeDocument/2006/relationships" xmlns:p="http://schemas.openxmlformats.org/presentationml/2006/main">
+  <p:cm authorId="1" dt="2024-08-10T00:29:27.119" idx="4">
+    <p:pos x="7853" y="3750"/>
+    <p:text>anyway push 이렇게 뜰 수도 있는데 항상 푸시할거냐 그 이야기니까 걍 하셈</p:text>
     <p:extLst>
       <p:ext uri="{C676402C-5697-4E1C-873F-D02D1690AC5C}">
         <p15:threadingInfo xmlns:p15="http://schemas.microsoft.com/office/powerpoint/2012/main" timeZoneBias="-540"/>
@@ -271,6 +286,88 @@
           <inkml:channelProperty channel="T" name="resolution" value="1" units="1/dev"/>
         </inkml:channelProperties>
       </inkml:inkSource>
+      <inkml:timestamp xml:id="ts0" timeString="2024-08-09T14:52:24.222"/>
+    </inkml:context>
+    <inkml:brush xml:id="br0">
+      <inkml:brushProperty name="width" value="0.13333" units="cm"/>
+      <inkml:brushProperty name="height" value="0.13333" units="cm"/>
+      <inkml:brushProperty name="color" value="#ED1C24"/>
+      <inkml:brushProperty name="fitToCurve" value="1"/>
+    </inkml:brush>
+  </inkml:definitions>
+  <inkml:traceGroup>
+    <inkml:annotationXML>
+      <emma:emma xmlns:emma="http://www.w3.org/2003/04/emma" version="1.0">
+        <emma:interpretation id="{5D004CA6-07C5-449C-B9F7-1E935ED3AFCF}" emma:medium="tactile" emma:mode="ink">
+          <msink:context xmlns:msink="http://schemas.microsoft.com/ink/2010/main" type="writingRegion" rotatedBoundingBox="30612,13648 31652,13648 31652,14620 30612,14620"/>
+        </emma:interpretation>
+      </emma:emma>
+    </inkml:annotationXML>
+    <inkml:traceGroup>
+      <inkml:annotationXML>
+        <emma:emma xmlns:emma="http://www.w3.org/2003/04/emma" version="1.0">
+          <emma:interpretation id="{9D122DEF-69F1-483F-B560-B166374F2455}" emma:medium="tactile" emma:mode="ink">
+            <msink:context xmlns:msink="http://schemas.microsoft.com/ink/2010/main" type="paragraph" rotatedBoundingBox="30612,13648 31652,13648 31652,14620 30612,14620" alignmentLevel="1"/>
+          </emma:interpretation>
+        </emma:emma>
+      </inkml:annotationXML>
+      <inkml:traceGroup>
+        <inkml:annotationXML>
+          <emma:emma xmlns:emma="http://www.w3.org/2003/04/emma" version="1.0">
+            <emma:interpretation id="{04C70797-C327-417B-8E18-01FA23E3FB8E}" emma:medium="tactile" emma:mode="ink">
+              <msink:context xmlns:msink="http://schemas.microsoft.com/ink/2010/main" type="line" rotatedBoundingBox="30612,13648 31652,13648 31652,14620 30612,14620"/>
+            </emma:interpretation>
+          </emma:emma>
+        </inkml:annotationXML>
+        <inkml:traceGroup>
+          <inkml:annotationXML>
+            <emma:emma xmlns:emma="http://www.w3.org/2003/04/emma" version="1.0">
+              <emma:interpretation id="{5E9EAEAD-B7F8-492F-9AF7-B846CBD97AB2}" emma:medium="tactile" emma:mode="ink">
+                <msink:context xmlns:msink="http://schemas.microsoft.com/ink/2010/main" type="inkWord" rotatedBoundingBox="30612,13648 31652,13648 31652,14620 30612,14620"/>
+              </emma:interpretation>
+              <emma:one-of disjunction-type="recognition" id="oneOf0">
+                <emma:interpretation id="interp0" emma:lang="" emma:confidence="0">
+                  <emma:literal>〇</emma:literal>
+                </emma:interpretation>
+                <emma:interpretation id="interp1" emma:lang="" emma:confidence="0">
+                  <emma:literal>0</emma:literal>
+                </emma:interpretation>
+                <emma:interpretation id="interp2" emma:lang="" emma:confidence="0">
+                  <emma:literal>&amp;</emma:literal>
+                </emma:interpretation>
+                <emma:interpretation id="interp3" emma:lang="" emma:confidence="0">
+                  <emma:literal>O</emma:literal>
+                </emma:interpretation>
+                <emma:interpretation id="interp4" emma:lang="" emma:confidence="0">
+                  <emma:literal>J</emma:literal>
+                </emma:interpretation>
+              </emma:one-of>
+            </emma:emma>
+          </inkml:annotationXML>
+          <inkml:trace contextRef="#ctx0" brushRef="#br0">903 970 0,'0'0'0,"0"0"0,0 0 0,0 0 0,0 0 0,0 0 0,0 0 16,0 0-16,-103 0 0,-92 0 16,136 0-16,-9 0 0,6-24 15,1-7-15,9 2 16,1 0-16,-2 0 0,4-2 15,3-3-15,9-3 16,13 9-16,5-2 0,2-1 16,9 5-16,8-14 15,2-7-15,-1-1 0,18-3 16,12-2-16,15-3 0,9-2 16,10 6-16,3 5 15,1 9-15,-4 5 0,-12 7 16,0 5-16,1 2 15,-3 2-15,2 11 16,-1 5-16,-5 2 0,-1 4 16,-8-4-16,-8 2 0,-2 2 15,-6 1-15,-6 1 0,-4 2 16,2 3-16,-3 1 16,-2 2-16,0 5 0,-1 4 15,-3 6 1,-5 2-16,0 15 0,-4 12 0,11 8 15,-2 5 1,-5-8-16,0-24 0,0-11 16,-2-11-16,2-6 15,0-9-15,0-3 0,0-2 16,-4-21-16</inkml:trace>
+        </inkml:traceGroup>
+      </inkml:traceGroup>
+    </inkml:traceGroup>
+  </inkml:traceGroup>
+</inkml:ink>
+</file>
+
+<file path=ppt/ink/ink11.xml><?xml version="1.0" encoding="utf-8"?>
+<inkml:ink xmlns:inkml="http://www.w3.org/2003/InkML">
+  <inkml:definitions>
+    <inkml:context xml:id="ctx0">
+      <inkml:inkSource xml:id="inkSrc0">
+        <inkml:traceFormat>
+          <inkml:channel name="X" type="integer" max="28800" units="cm"/>
+          <inkml:channel name="Y" type="integer" max="18000" units="cm"/>
+          <inkml:channel name="T" type="integer" max="2.14748E9" units="dev"/>
+        </inkml:traceFormat>
+        <inkml:channelProperties>
+          <inkml:channelProperty channel="X" name="resolution" value="835.9942" units="1/cm"/>
+          <inkml:channelProperty channel="Y" name="resolution" value="837.20929" units="1/cm"/>
+          <inkml:channelProperty channel="T" name="resolution" value="1" units="1/dev"/>
+        </inkml:channelProperties>
+      </inkml:inkSource>
       <inkml:timestamp xml:id="ts0" timeString="2024-08-09T14:52:27.222"/>
     </inkml:context>
     <inkml:brush xml:id="br0">
@@ -344,7 +441,7 @@
               </emma:one-of>
             </emma:emma>
           </inkml:annotationXML>
-          <inkml:trace contextRef="#ctx0" brushRef="#br0" timeOffset="1294.6543">3732 3422 0,'0'0'0,"0"0"0,0 0 16,0 0-16,0 0 0,0 0 16,0 0-16,0 0 0,0 0 15,0 0-15,0 0 16,-4 0-16,-20 0 0,-22 0 15,-20 16-15,-15 1 16,-4-14-16,7 7 0,-3-6 16,0 7-16,-3-5 0,-11-6 15,18 14-15,-7-9 16,1-2-16,-1-3 0,1 12 16,2-5-16,-10-3 15,-5-4-15,7 0 0,3 0 16,11 0-16,7 0 0,6-1 15,-4 1 1,5-3-16,-2 3 0,8-7 0,3-8 16,5-4-1,9-2-15,1-3 0,6-1 0,1-9 16,7 0-16,2-7 16,11-2-16,4-9 15,6-5-15,3-4 0,8 5 16,9 2-16,14-6 15,11-2-15,6 2 0,11-1 16,13-7-16,11 2 16,8 2-16,-4 7 0,2 8 15,5 3-15,10 4 16,11 3-16,-3 8 0,-1 8 16,-10 15-16,7-7 0,-9 14 15,-2 1-15,-5 1 16,-11 5-16,3 13 0,-8 11 15,0 11-15,3 8 16,-7 9-16,-6 7 0,-10 8 16,-7 6-16,-11-2 15,-4-2-15,-7-6 0,-8-2 16,-6 5-16,5 5 0,-9-8 16,7-2-16,-9-14 15,4-10-15,5 0 0,-6-14 16,-17-56-1</inkml:trace>
+          <inkml:trace contextRef="#ctx0" brushRef="#br0" timeOffset="1294.6542">3732 3422 0,'0'0'0,"0"0"0,0 0 16,0 0-16,0 0 0,0 0 16,0 0-16,0 0 0,0 0 15,0 0-15,0 0 16,-4 0-16,-20 0 0,-22 0 15,-20 16-15,-15 1 16,-4-14-16,7 7 0,-3-6 16,0 7-16,-3-5 0,-11-6 15,18 14-15,-7-9 16,1-2-16,-1-3 0,1 12 16,2-5-16,-10-3 15,-5-4-15,7 0 0,3 0 16,11 0-16,7 0 0,6-1 15,-4 1 1,5-3-16,-2 3 0,8-7 0,3-8 16,5-4-1,9-2-15,1-3 0,6-1 0,1-9 16,7 0-16,2-7 16,11-2-16,4-9 15,6-5-15,3-4 0,8 5 16,9 2-16,14-6 15,11-2-15,6 2 0,11-1 16,13-7-16,11 2 16,8 2-16,-4 7 0,2 8 15,5 3-15,10 4 16,11 3-16,-3 8 0,-1 8 16,-10 15-16,7-7 0,-9 14 15,-2 1-15,-5 1 16,-11 5-16,3 13 0,-8 11 15,0 11-15,3 8 16,-7 9-16,-6 7 0,-10 8 16,-7 6-16,-11-2 15,-4-2-15,-7-6 0,-8-2 16,-6 5-16,5 5 0,-9-8 16,7-2-16,-9-14 15,4-10-15,5 0 0,-6-14 16,-17-56-1</inkml:trace>
         </inkml:traceGroup>
       </inkml:traceGroup>
     </inkml:traceGroup>
@@ -352,7 +449,7 @@
 </inkml:ink>
 </file>
 
-<file path=ppt/ink/ink11.xml><?xml version="1.0" encoding="utf-8"?>
+<file path=ppt/ink/ink12.xml><?xml version="1.0" encoding="utf-8"?>
 <inkml:ink xmlns:inkml="http://www.w3.org/2003/InkML">
   <inkml:definitions>
     <inkml:context xml:id="ctx0">
@@ -414,7 +511,7 @@
               </emma:one-of>
             </emma:emma>
           </inkml:annotationXML>
-          <inkml:trace contextRef="#ctx0" brushRef="#br0">1692 895 0,'0'0'0,"0"0"0,0 0 0,0 0 0,0 0 0,0 0 0,0 0 16,0 0-16,0 0 0,0 0 15,-8 0-15,-27 0 16,-24 0-16,-14 0 0,-12 0 16,-5 0-1,-2 0-15,-4 16 0,0-11 0,-1-4 16,5 10-16,24-5 16,-9-5-16,4-1 15,-4 0-15,2-1 0,-1 1 0,2 0 16,12 0-1,14 0-15,5-8 0,6-2 16,1-3-16,7-7 16,-1 0-16,7-7 0,5 0 15,5-9-15,5 0 16,10-13-16,10-7 0,7-9 16,9 2-16,9 1 0,10-2 15,2 11-15,7 3 16,10 1-16,2 3 0,6 5 15,-3 7-15,3 3 16,3 3-16,-2 6 0,6 13 16,2 0-16,0 5 15,-1 4-15,2 3 0,4-2 16,3 2-16,-1 10 0,-3 4 16,3 5-16,-8 3 15,-9 4-15,-5 7 0,-13-4 16,1 7-16,-14 2 15,-1 8-15,-10 1 0,-5 8 16,-3 2 0,-10 7-16,-7-1 0,-6 5 0,-6-19 15,4 1 1,-3 0-16,9-9 0,5-4 16,6-9-16,-4-10 0,-8-45 0</inkml:trace>
+          <inkml:trace contextRef="#ctx0" brushRef="#br0">1691 895 0,'0'0'0,"0"0"0,0 0 0,0 0 0,0 0 0,0 0 0,0 0 16,0 0-16,0 0 0,0 0 15,-8 0-15,-27 0 16,-24 0-16,-13 0 0,-13 0 16,-5 0-1,-2 0-15,-4 16 0,0-11 0,-1-4 16,5 10-16,24-5 16,-9-5-16,4-1 15,-4 0-15,2-1 0,-1 1 0,2 0 16,12 0-1,14 0-15,5-8 0,6-2 16,1-3-16,7-7 16,-1 0-16,7-7 0,5 0 15,5-9-15,5 0 16,10-13-16,10-7 0,7-9 16,9 2-16,9 1 0,10-2 15,2 11-15,7 3 16,10 1-16,2 3 0,6 5 15,-3 7-15,3 3 16,3 3-16,-2 6 0,6 13 16,2 0-16,0 5 15,-1 4-15,2 3 0,4-2 16,3 2-16,-1 10 0,-3 4 16,2 5-16,-7 3 15,-9 4-15,-5 7 0,-13-4 16,1 7-16,-14 2 15,-1 8-15,-10 1 0,-5 8 16,-3 2 0,-10 7-16,-7-1 0,-6 5 0,-6-19 15,4 1 1,-3 0-16,9-9 0,5-4 16,6-9-16,-4-10 0,-8-45 0</inkml:trace>
         </inkml:traceGroup>
         <inkml:traceGroup>
           <inkml:annotationXML>
@@ -441,113 +538,7 @@
               </emma:one-of>
             </emma:emma>
           </inkml:annotationXML>
-          <inkml:trace contextRef="#ctx0" brushRef="#br0" timeOffset="1705.6129">1274 6288 0,'0'0'0,"0"0"0,0 0 0,0 0 0,0 0 16,0 0-16,0 0 0,0 0 16,0 0-16,0 0 15,0 0-15,0 0 0,0 0 16,0 0-16,0 0 15,7 6-15,4 1 0,3 2 16,8 5-16,7-1 16,7 6-16,-6-3 15,20 5-15,17-2 0,14 2 0,15 1 16,-9-6-16,38 1 16,42-4-16,-43-6 0,-42-4 15,-13 2-15,9-5 16,-1-14-16,-3-3 0,0-7 15,-11-6-15,-5 7 16,-6-5-16,1-3 0,-8 0 16,-8 3-16,-7 3 15,-3-6-15,-2 0 0,-8-6 16,0-6-16,-11-6 0,-6 0 16,0 8-16,-5-5 15,2 0-15,2 2 0,-13-2 16,-3 8-16,-10-2 15,-2 2-15,-5 4 0,-9 0 16,-3 3 0,-4-2-16,-5-1 0,-5 5 15,-5-2-15,4 1 16,-1 7-16,-3-1 0,-4 3 16,-1 4-16,-4 9 0,1-4 0,-3 9 15,5 3 1,5 0-16,2 3 0,7 0 15,4-1-15,-1 7 16,3 7-16,-1 10 0,-1 8 16,-2 12-16,2 6 15,0 8-15,3 1 0,0 10 16,8-3-16,11-2 0,3-2 16,12-5-16,8-30 15,10-6-15,-1 0 0,5 7 16,-1 1-16,-2 1 15,7-1-15,9 5 0,58 70 16,-15-32-16,3-18 16,2-6-16,8-17 0,15-72 15</inkml:trace>
-        </inkml:traceGroup>
-      </inkml:traceGroup>
-    </inkml:traceGroup>
-  </inkml:traceGroup>
-</inkml:ink>
-</file>
-
-<file path=ppt/ink/ink12.xml><?xml version="1.0" encoding="utf-8"?>
-<inkml:ink xmlns:inkml="http://www.w3.org/2003/InkML">
-  <inkml:definitions>
-    <inkml:context xml:id="ctx0">
-      <inkml:inkSource xml:id="inkSrc0">
-        <inkml:traceFormat>
-          <inkml:channel name="X" type="integer" max="28800" units="cm"/>
-          <inkml:channel name="Y" type="integer" max="18000" units="cm"/>
-          <inkml:channel name="T" type="integer" max="2.14748E9" units="dev"/>
-        </inkml:traceFormat>
-        <inkml:channelProperties>
-          <inkml:channelProperty channel="X" name="resolution" value="835.9942" units="1/cm"/>
-          <inkml:channelProperty channel="Y" name="resolution" value="837.20929" units="1/cm"/>
-          <inkml:channelProperty channel="T" name="resolution" value="1" units="1/dev"/>
-        </inkml:channelProperties>
-      </inkml:inkSource>
-      <inkml:timestamp xml:id="ts0" timeString="2024-08-09T14:52:41.446"/>
-    </inkml:context>
-    <inkml:brush xml:id="br0">
-      <inkml:brushProperty name="width" value="0.13333" units="cm"/>
-      <inkml:brushProperty name="height" value="0.13333" units="cm"/>
-      <inkml:brushProperty name="color" value="#ED1C24"/>
-      <inkml:brushProperty name="fitToCurve" value="1"/>
-    </inkml:brush>
-  </inkml:definitions>
-  <inkml:traceGroup>
-    <inkml:annotationXML>
-      <emma:emma xmlns:emma="http://www.w3.org/2003/04/emma" version="1.0">
-        <emma:interpretation id="{538D8C33-33CE-483D-B9BD-853CDABD3CA3}" emma:medium="tactile" emma:mode="ink">
-          <msink:context xmlns:msink="http://schemas.microsoft.com/ink/2010/main" type="writingRegion" rotatedBoundingBox="6672,3719 3695,3704 3714,-61 6690,-46"/>
-        </emma:interpretation>
-      </emma:emma>
-    </inkml:annotationXML>
-    <inkml:traceGroup>
-      <inkml:annotationXML>
-        <emma:emma xmlns:emma="http://www.w3.org/2003/04/emma" version="1.0">
-          <emma:interpretation id="{3CB16F3C-E0FB-4636-9D44-DD0E6CB157F4}" emma:medium="tactile" emma:mode="ink">
-            <msink:context xmlns:msink="http://schemas.microsoft.com/ink/2010/main" type="paragraph" rotatedBoundingBox="3704,2686 6674,2686 6674,3707 3704,3707" alignmentLevel="1"/>
-          </emma:interpretation>
-        </emma:emma>
-      </inkml:annotationXML>
-      <inkml:traceGroup>
-        <inkml:annotationXML>
-          <emma:emma xmlns:emma="http://www.w3.org/2003/04/emma" version="1.0">
-            <emma:interpretation id="{F2DE35A6-F2E7-402C-B7D6-DFAE136AB5E8}" emma:medium="tactile" emma:mode="ink">
-              <msink:context xmlns:msink="http://schemas.microsoft.com/ink/2010/main" type="inkBullet" rotatedBoundingBox="6672,3719 3700,3704 3705,2674 6677,2689"/>
-            </emma:interpretation>
-            <emma:one-of disjunction-type="recognition" id="oneOf0">
-              <emma:interpretation id="interp0" emma:lang="" emma:confidence="0">
-                <emma:literal>↳</emma:literal>
-              </emma:interpretation>
-            </emma:one-of>
-          </emma:emma>
-        </inkml:annotationXML>
-        <inkml:trace contextRef="#ctx0" brushRef="#br0">2848 183 0,'0'0'0,"0"0"0,0 0 15,0 0-15,0 0 16,0 0-16,0 0 0,0 0 16,0 0-16,0 0 15,0 0-15,0 0 16,0 0-16,-5-2 0,-18-14 0,-10-3 16,-10-5-16,2 1 15,6-8-15,-8 14 0,4 6 16,2 2-16,6-2 15,-1 7-15,-11 2 0,6 2 16,-7-7 0,-5 6-16,-3-1 0,-8 2 0,-1 0 15,1 0 1,-10 2-16,0-2 0,-1 0 0,-3 0 16,3 0-16,-7 1 15,1-1-15,2 9 16,-2-3-16,1-2 0,-8 7 15,-3-4-15,4-6 16,-1 1-16,2 1 0,6-3 16,2 0-16,14-3 15,-1 3-15,1-2 0,-1 2 16,1 0-16,1 0 0,7 0 16,5-1-16,2 1 15,10 0-15,2 7 0,5-4 16,6 3-16,5 2 15,2-2-15,1-1 16,6 0-16,-1 2 0,-6 7 16,3-1-16,2 6 15,-3 5-15,1 13 0,4 14 16,5 2-16,3 1 16,3 6-16,-1-5 0,-1-2 15,-1-1-15,0-5 16,2 0-16,5-7 0,6-5 15,2 1-15,1-4 0,5-2 16,-2 1-16,2-7 16,6 2-16,-5-10 15,-3 2-15,9-5 0,10 4 16,-2-3-16,4-6 0,4-1 16,2-1-16,14-4 15,-5-4-15,10-2 0,1 2 16,-2 1-16,10 1 15,-5-2-15,6-11 0,2-2 16,4 6-16,1-11 16,-4-1-16,8 2 0,-4-3 15,2 10-15,-1-4 16,0 7-16,-6-2 0,-2-3 16,0 6-16,9 5 0,-4-7 15,-4 4-15,-7 5 16,0-8-16,-4 1 15,-4 7-15,-1-7 0,-6 4 16,-1 3-16,-5 1 0,3 0 16,-6 0-16,-3 1 15,-11-1-15,-3 1 0,-9-1 16,8 0-16,-16 0 0,1 0 16,-4 0-16,-1 0 15,-1 0-15,-5 0 0,2 0 16,2 0-16,-7 0 15,-1 0-15,8-1 0,2-5 16,1-4 0,0-11-16,3-3 0,-5-10 0,-2-7 15,-4-6-15,0 1 0,0-3 16,0 23 0,-3 15-16,2 6 0,1-10 15,-2-1-15,-4-13 16,0 7-16,1 3 0,-6-5 0,1-4 15,-2 5 1,2-5-16,1 11 0,-2-5 16,-24-47-16,7 23 15</inkml:trace>
-      </inkml:traceGroup>
-    </inkml:traceGroup>
-    <inkml:traceGroup>
-      <inkml:annotationXML>
-        <emma:emma xmlns:emma="http://www.w3.org/2003/04/emma" version="1.0">
-          <emma:interpretation id="{C870FE51-4CA8-4582-B0F1-89E82465900D}" emma:medium="tactile" emma:mode="ink">
-            <msink:context xmlns:msink="http://schemas.microsoft.com/ink/2010/main" type="paragraph" rotatedBoundingBox="5737,985 3856,1448 3561,250 5442,-211" alignmentLevel="2"/>
-          </emma:interpretation>
-        </emma:emma>
-      </inkml:annotationXML>
-      <inkml:traceGroup>
-        <inkml:annotationXML>
-          <emma:emma xmlns:emma="http://www.w3.org/2003/04/emma" version="1.0">
-            <emma:interpretation id="{DE07EA96-9127-49EB-970F-6DEFF5BB185B}" emma:medium="tactile" emma:mode="ink">
-              <msink:context xmlns:msink="http://schemas.microsoft.com/ink/2010/main" type="line" rotatedBoundingBox="5737,985 3856,1448 3561,250 5442,-211"/>
-            </emma:interpretation>
-          </emma:emma>
-        </inkml:annotationXML>
-        <inkml:traceGroup>
-          <inkml:annotationXML>
-            <emma:emma xmlns:emma="http://www.w3.org/2003/04/emma" version="1.0">
-              <emma:interpretation id="{3E977646-8214-49C9-BF3A-1BB3C1FA8FEB}" emma:medium="tactile" emma:mode="ink">
-                <msink:context xmlns:msink="http://schemas.microsoft.com/ink/2010/main" type="inkWord" rotatedBoundingBox="5737,985 3856,1448 3561,250 5442,-211"/>
-              </emma:interpretation>
-              <emma:one-of disjunction-type="recognition" id="oneOf1">
-                <emma:interpretation id="interp1" emma:lang="" emma:confidence="0">
-                  <emma:literal>J</emma:literal>
-                </emma:interpretation>
-                <emma:interpretation id="interp2" emma:lang="" emma:confidence="0">
-                  <emma:literal>&gt;</emma:literal>
-                </emma:interpretation>
-                <emma:interpretation id="interp3" emma:lang="" emma:confidence="0">
-                  <emma:literal>0</emma:literal>
-                </emma:interpretation>
-                <emma:interpretation id="interp4" emma:lang="" emma:confidence="0">
-                  <emma:literal>j</emma:literal>
-                </emma:interpretation>
-                <emma:interpretation id="interp5" emma:lang="" emma:confidence="0">
-                  <emma:literal>고</emma:literal>
-                </emma:interpretation>
-              </emma:one-of>
-            </emma:emma>
-          </inkml:annotationXML>
-          <inkml:trace contextRef="#ctx0" brushRef="#br0" timeOffset="1240.1255">1666-1707 0,'0'0'0,"0"0"0,0 0 16,0 0-16,-242 60 15,137-38-15,51-3 0,-11-16 16,-12 24-16,3-3 15,2-1-15,-7-1 0,14-17 16,-11-5-16,6-3 16,4 3-16,5 0 0,-7-2 15,9 2-15,3 0 16,3 0-16,-3-13 0,10-9 16,5-2-16,4-5 0,4-4 15,7-2-15,4 2 16,5-4-16,4 1 15,4-6-15,3-2 16,6 0-16,5-2 0,-2 0 0,10-7 16,11-6-1,8 1-15,12-5 0,17 2 16,11-7-16,4 12 0,0 3 0,1 6 16,3 4-1,3 4-15,1 1 16,-1 7-16,14 2 0,-14 5 15,2 5-15,-3 14 16,0 4-16,67 5 16,-81 2-16,0 10 0,-1 14 15,-11 8-15,0 7 16,-7 8-16,-12-4 0,-2 14 16,-5 8-16,-5 6 15,-9 4-15,-10-1 0,-6-5 16,-5-1-16,2 1 15,-1-14-15,1-8 0,6-9 16,4-8-16,11 1 16,-10-54-16</inkml:trace>
+          <inkml:trace contextRef="#ctx0" brushRef="#br0" timeOffset="1705.6129">1274 6288 0,'0'0'0,"0"0"0,0 0 0,0 0 0,0 0 16,0 0-16,0 0 0,0 0 16,0 0-16,0 0 15,0 0-15,0 0 0,0 0 16,0 0-16,0 0 15,7 6-15,4 1 0,3 2 16,8 5-16,7-1 16,7 6-16,-6-3 15,20 5-15,17-2 0,13 2 0,16 1 16,-9-6-16,38 1 16,42-4-16,-43-6 0,-42-4 15,-13 2-15,9-5 16,-1-14-16,-3-3 0,0-7 15,-11-6-15,-5 7 16,-6-5-16,1-3 0,-8 0 16,-8 3-16,-7 3 15,-3-6-15,-2 0 0,-8-6 16,0-6-16,-11-6 0,-6 0 16,0 8-16,-5-5 15,2 0-15,2 2 0,-13-2 16,-3 8-16,-10-2 15,-2 2-15,-5 4 0,-9 0 16,-3 3 0,-4-2-16,-5-1 0,-5 5 15,-5-2-15,4 1 16,-1 7-16,-3-1 0,-4 3 16,-1 4-16,-4 9 0,1-4 0,-3 9 15,5 3 1,5 0-16,2 3 0,7 0 15,4-1-15,-1 7 16,3 7-16,-1 10 0,-1 8 16,-1 12-16,1 6 15,0 8-15,3 1 0,0 10 16,8-3-16,11-2 0,3-2 16,12-5-16,8-30 15,10-6-15,-1 0 0,5 7 16,-1 1-16,-2 1 15,7-1-15,9 5 0,58 70 16,-15-32-16,3-18 16,2-6-16,7-17 0,16-72 15</inkml:trace>
         </inkml:traceGroup>
       </inkml:traceGroup>
     </inkml:traceGroup>
@@ -957,7 +948,7 @@
           <inkml:channelProperty channel="T" name="resolution" value="1" units="1/dev"/>
         </inkml:channelProperties>
       </inkml:inkSource>
-      <inkml:timestamp xml:id="ts0" timeString="2024-08-09T14:52:24.222"/>
+      <inkml:timestamp xml:id="ts0" timeString="2024-08-09T14:52:41.446"/>
     </inkml:context>
     <inkml:brush xml:id="br0">
       <inkml:brushProperty name="width" value="0.13333" units="cm"/>
@@ -969,53 +960,77 @@
   <inkml:traceGroup>
     <inkml:annotationXML>
       <emma:emma xmlns:emma="http://www.w3.org/2003/04/emma" version="1.0">
-        <emma:interpretation id="{5D004CA6-07C5-449C-B9F7-1E935ED3AFCF}" emma:medium="tactile" emma:mode="ink">
-          <msink:context xmlns:msink="http://schemas.microsoft.com/ink/2010/main" type="writingRegion" rotatedBoundingBox="30612,13648 31652,13648 31652,14620 30612,14620"/>
+        <emma:interpretation id="{538D8C33-33CE-483D-B9BD-853CDABD3CA3}" emma:medium="tactile" emma:mode="ink">
+          <msink:context xmlns:msink="http://schemas.microsoft.com/ink/2010/main" type="writingRegion" rotatedBoundingBox="6672,3719 3695,3704 3714,-61 6690,-46"/>
         </emma:interpretation>
       </emma:emma>
     </inkml:annotationXML>
     <inkml:traceGroup>
       <inkml:annotationXML>
         <emma:emma xmlns:emma="http://www.w3.org/2003/04/emma" version="1.0">
-          <emma:interpretation id="{9D122DEF-69F1-483F-B560-B166374F2455}" emma:medium="tactile" emma:mode="ink">
-            <msink:context xmlns:msink="http://schemas.microsoft.com/ink/2010/main" type="paragraph" rotatedBoundingBox="30612,13648 31652,13648 31652,14620 30612,14620" alignmentLevel="1"/>
+          <emma:interpretation id="{3CB16F3C-E0FB-4636-9D44-DD0E6CB157F4}" emma:medium="tactile" emma:mode="ink">
+            <msink:context xmlns:msink="http://schemas.microsoft.com/ink/2010/main" type="paragraph" rotatedBoundingBox="3704,2686 6674,2686 6674,3707 3704,3707" alignmentLevel="1"/>
           </emma:interpretation>
         </emma:emma>
       </inkml:annotationXML>
       <inkml:traceGroup>
         <inkml:annotationXML>
           <emma:emma xmlns:emma="http://www.w3.org/2003/04/emma" version="1.0">
-            <emma:interpretation id="{04C70797-C327-417B-8E18-01FA23E3FB8E}" emma:medium="tactile" emma:mode="ink">
-              <msink:context xmlns:msink="http://schemas.microsoft.com/ink/2010/main" type="line" rotatedBoundingBox="30612,13648 31652,13648 31652,14620 30612,14620"/>
+            <emma:interpretation id="{F2DE35A6-F2E7-402C-B7D6-DFAE136AB5E8}" emma:medium="tactile" emma:mode="ink">
+              <msink:context xmlns:msink="http://schemas.microsoft.com/ink/2010/main" type="inkBullet" rotatedBoundingBox="6672,3719 3700,3704 3705,2674 6677,2689"/>
+            </emma:interpretation>
+            <emma:one-of disjunction-type="recognition" id="oneOf0">
+              <emma:interpretation id="interp0" emma:lang="" emma:confidence="0">
+                <emma:literal>↳</emma:literal>
+              </emma:interpretation>
+            </emma:one-of>
+          </emma:emma>
+        </inkml:annotationXML>
+        <inkml:trace contextRef="#ctx0" brushRef="#br0">2848 184 0,'0'0'0,"0"0"0,0 0 15,0 0-15,0 0 16,0 0-16,0 0 0,0 0 16,0 0-16,0 0 15,0 0-15,0 0 16,0 0-16,-5-2 0,-18-14 0,-10-3 16,-10-5-16,2 1 15,6-8-15,-8 14 0,4 6 16,2 2-16,6-2 15,-1 7-15,-11 2 0,6 2 16,-7-7 0,-5 6-16,-3-1 0,-8 2 0,-1 0 15,1 0 1,-10 2-16,0-2 0,-1 0 0,-3 0 16,3 0-16,-7 1 15,1-1-15,2 9 16,-2-3-16,1-2 0,-8 7 15,-3-4-15,4-6 16,-1 1-16,2 1 0,6-3 16,2 0-16,14-3 15,-1 3-15,1-2 0,-1 2 16,1 0-16,1 0 0,7 0 16,5-1-16,2 1 15,10 0-15,2 7 0,5-4 16,6 3-16,5 2 15,2-2-15,1-1 16,6 0-16,-1 2 0,-6 7 16,3-1-16,2 6 15,-3 5-15,1 13 0,4 14 16,5 2-16,3 1 16,3 6-16,-1-5 0,-1-2 15,-1-1-15,0-5 16,2 0-16,5-7 0,6-5 15,2 1-15,1-4 0,5-2 16,-2 1-16,2-7 16,6 2-16,-5-10 15,-3 2-15,9-5 0,10 4 16,-2-3-16,4-6 0,4-1 16,2-1-16,14-4 15,-5-4-15,10-2 0,1 2 16,-2 1-16,10 1 15,-5-2-15,6-11 0,2-2 16,4 6-16,1-11 16,-4-1-16,8 2 0,-4-3 15,2 10-15,-1-4 16,0 7-16,-6-2 0,-2-3 16,0 6-16,9 5 0,-4-7 15,-4 4-15,-7 5 16,0-8-16,-4 1 15,-4 7-15,-1-7 0,-6 4 16,-1 3-16,-5 1 0,3 0 16,-6 0-16,-3 1 15,-11-1-15,-3 1 0,-9-1 16,8 0-16,-16 0 0,1 0 16,-4 0-16,-1 0 15,-1 0-15,-5 0 0,2 0 16,2 0-16,-7 0 15,-1 0-15,8-1 0,2-5 16,1-4 0,0-11-16,3-3 0,-5-10 0,-2-7 15,-4-6-15,0 1 0,0-3 16,0 23 0,-3 15-16,2 6 0,1-10 15,-2-1-15,-4-13 16,0 7-16,1 3 0,-6-5 0,1-4 15,-2 5 1,2-5-16,1 11 0,-2-5 16,-24-47-16,7 23 15</inkml:trace>
+      </inkml:traceGroup>
+    </inkml:traceGroup>
+    <inkml:traceGroup>
+      <inkml:annotationXML>
+        <emma:emma xmlns:emma="http://www.w3.org/2003/04/emma" version="1.0">
+          <emma:interpretation id="{C870FE51-4CA8-4582-B0F1-89E82465900D}" emma:medium="tactile" emma:mode="ink">
+            <msink:context xmlns:msink="http://schemas.microsoft.com/ink/2010/main" type="paragraph" rotatedBoundingBox="5737,985 3856,1448 3561,250 5442,-211" alignmentLevel="2"/>
+          </emma:interpretation>
+        </emma:emma>
+      </inkml:annotationXML>
+      <inkml:traceGroup>
+        <inkml:annotationXML>
+          <emma:emma xmlns:emma="http://www.w3.org/2003/04/emma" version="1.0">
+            <emma:interpretation id="{DE07EA96-9127-49EB-970F-6DEFF5BB185B}" emma:medium="tactile" emma:mode="ink">
+              <msink:context xmlns:msink="http://schemas.microsoft.com/ink/2010/main" type="line" rotatedBoundingBox="5737,985 3856,1448 3561,250 5442,-211"/>
             </emma:interpretation>
           </emma:emma>
         </inkml:annotationXML>
         <inkml:traceGroup>
           <inkml:annotationXML>
             <emma:emma xmlns:emma="http://www.w3.org/2003/04/emma" version="1.0">
-              <emma:interpretation id="{5E9EAEAD-B7F8-492F-9AF7-B846CBD97AB2}" emma:medium="tactile" emma:mode="ink">
-                <msink:context xmlns:msink="http://schemas.microsoft.com/ink/2010/main" type="inkWord" rotatedBoundingBox="30612,13648 31652,13648 31652,14620 30612,14620"/>
+              <emma:interpretation id="{3E977646-8214-49C9-BF3A-1BB3C1FA8FEB}" emma:medium="tactile" emma:mode="ink">
+                <msink:context xmlns:msink="http://schemas.microsoft.com/ink/2010/main" type="inkWord" rotatedBoundingBox="5737,985 3856,1448 3561,250 5442,-211"/>
               </emma:interpretation>
-              <emma:one-of disjunction-type="recognition" id="oneOf0">
-                <emma:interpretation id="interp0" emma:lang="" emma:confidence="0">
-                  <emma:literal>〇</emma:literal>
+              <emma:one-of disjunction-type="recognition" id="oneOf1">
+                <emma:interpretation id="interp1" emma:lang="" emma:confidence="0">
+                  <emma:literal>J</emma:literal>
                 </emma:interpretation>
-                <emma:interpretation id="interp1" emma:lang="" emma:confidence="0">
+                <emma:interpretation id="interp2" emma:lang="" emma:confidence="0">
+                  <emma:literal>&gt;</emma:literal>
+                </emma:interpretation>
+                <emma:interpretation id="interp3" emma:lang="" emma:confidence="0">
                   <emma:literal>0</emma:literal>
                 </emma:interpretation>
-                <emma:interpretation id="interp2" emma:lang="" emma:confidence="0">
-                  <emma:literal>&amp;</emma:literal>
+                <emma:interpretation id="interp4" emma:lang="" emma:confidence="0">
+                  <emma:literal>j</emma:literal>
                 </emma:interpretation>
-                <emma:interpretation id="interp3" emma:lang="" emma:confidence="0">
-                  <emma:literal>O</emma:literal>
-                </emma:interpretation>
-                <emma:interpretation id="interp4" emma:lang="" emma:confidence="0">
-                  <emma:literal>J</emma:literal>
+                <emma:interpretation id="interp5" emma:lang="" emma:confidence="0">
+                  <emma:literal>고</emma:literal>
                 </emma:interpretation>
               </emma:one-of>
             </emma:emma>
           </inkml:annotationXML>
-          <inkml:trace contextRef="#ctx0" brushRef="#br0">903 970 0,'0'0'0,"0"0"0,0 0 0,0 0 0,0 0 0,0 0 0,0 0 16,0 0-16,-103 0 0,-92 0 16,136 0-16,-9 0 0,6-24 15,1-7-15,9 2 16,1 0-16,-2 0 0,4-2 15,3-3-15,9-3 16,13 9-16,5-2 0,2-1 16,9 5-16,8-14 15,2-7-15,-1-1 0,18-3 16,12-2-16,15-3 0,9-2 16,10 6-16,3 5 15,1 9-15,-4 5 0,-12 7 16,0 5-16,1 2 15,-3 2-15,2 11 16,-1 5-16,-5 2 0,-1 4 16,-8-4-16,-8 2 0,-2 2 15,-6 1-15,-6 1 0,-4 2 16,2 3-16,-3 1 16,-2 2-16,0 5 0,-1 4 15,-3 6 1,-5 2-16,0 15 0,-4 12 0,11 8 15,-2 5 1,-5-8-16,0-24 0,0-11 16,-2-11-16,2-6 15,0-9-15,0-3 0,0-2 16,-4-21-16</inkml:trace>
+          <inkml:trace contextRef="#ctx0" brushRef="#br0" timeOffset="1240.1255">1666-1707 0,'0'0'0,"0"0"0,0 0 16,0 0-16,-242 60 15,137-38-15,51-3 0,-11-16 16,-12 24-16,3-3 15,2-1-15,-7-1 0,14-17 16,-11-5-16,6-3 16,4 3-16,5 0 0,-7-2 15,9 2-15,3 0 16,3 0-16,-3-13 0,10-9 16,5-2-16,4-5 0,4-4 15,7-2-15,4 2 16,5-4-16,4 1 15,4-6-15,3-2 16,6 0-16,5-2 0,-2 0 0,10-7 16,11-6-1,8 1-15,12-5 0,17 2 16,11-7-16,4 12 0,0 3 0,1 6 16,3 4-1,3 4-15,1 1 16,-1 7-16,14 2 0,-14 5 15,2 5-15,-3 14 16,0 4-16,67 5 16,-81 2-16,0 10 0,-1 14 15,-11 8-15,0 7 16,-7 8-16,-12-4 0,-2 14 16,-5 8-16,-5 6 15,-9 4-15,-10-1 0,-6-5 16,-5-1-16,2 1 15,-1-14-15,1-8 0,6-9 16,4-8-16,11 1 16,-10-54-16</inkml:trace>
         </inkml:traceGroup>
       </inkml:traceGroup>
     </inkml:traceGroup>
@@ -6627,6 +6642,131 @@
           <a:chExt cx="0" cy="0"/>
         </a:xfrm>
       </p:grpSpPr>
+      <p:sp>
+        <p:nvSpPr>
+          <p:cNvPr id="2" name="제목 1"/>
+          <p:cNvSpPr>
+            <a:spLocks noGrp="1"/>
+          </p:cNvSpPr>
+          <p:nvPr>
+            <p:ph type="title"/>
+          </p:nvPr>
+        </p:nvSpPr>
+        <p:spPr>
+          <a:xfrm>
+            <a:off x="843516" y="2076967"/>
+            <a:ext cx="10515600" cy="2351493"/>
+          </a:xfrm>
+        </p:spPr>
+        <p:txBody>
+          <a:bodyPr>
+            <a:normAutofit/>
+          </a:bodyPr>
+          <a:lstStyle/>
+          <a:p>
+            <a:pPr algn="ctr"/>
+            <a:r>
+              <a:rPr lang="ko-KR" altLang="en-US" sz="10000" dirty="0" err="1" smtClean="0"/>
+              <a:t>깃허브</a:t>
+            </a:r>
+            <a:r>
+              <a:rPr lang="ko-KR" altLang="en-US" sz="10000" dirty="0" smtClean="0"/>
+              <a:t> 하는 방법</a:t>
+            </a:r>
+            <a:r>
+              <a:rPr lang="en-US" altLang="ko-KR" sz="5000" dirty="0" smtClean="0"/>
+              <a:t/>
+            </a:r>
+            <a:br>
+              <a:rPr lang="en-US" altLang="ko-KR" sz="5000" dirty="0" smtClean="0"/>
+            </a:br>
+            <a:r>
+              <a:rPr lang="en-US" altLang="ko-KR" sz="5000" dirty="0"/>
+              <a:t/>
+            </a:r>
+            <a:br>
+              <a:rPr lang="en-US" altLang="ko-KR" sz="5000" dirty="0"/>
+            </a:br>
+            <a:r>
+              <a:rPr lang="ko-KR" altLang="en-US" sz="700" dirty="0" smtClean="0">
+                <a:solidFill>
+                  <a:schemeClr val="bg1">
+                    <a:lumMod val="85000"/>
+                  </a:schemeClr>
+                </a:solidFill>
+              </a:rPr>
+              <a:t>보고도 못하면 진짜 </a:t>
+            </a:r>
+            <a:r>
+              <a:rPr lang="ko-KR" altLang="en-US" sz="700" dirty="0" err="1" smtClean="0">
+                <a:solidFill>
+                  <a:schemeClr val="bg1">
+                    <a:lumMod val="85000"/>
+                  </a:schemeClr>
+                </a:solidFill>
+              </a:rPr>
+              <a:t>개버러지</a:t>
+            </a:r>
+            <a:r>
+              <a:rPr lang="ko-KR" altLang="en-US" sz="700" dirty="0" smtClean="0">
+                <a:solidFill>
+                  <a:schemeClr val="bg1">
+                    <a:lumMod val="85000"/>
+                  </a:schemeClr>
+                </a:solidFill>
+              </a:rPr>
+              <a:t> </a:t>
+            </a:r>
+            <a:r>
+              <a:rPr lang="ko-KR" altLang="en-US" sz="700" dirty="0" err="1" smtClean="0">
+                <a:solidFill>
+                  <a:schemeClr val="bg1">
+                    <a:lumMod val="85000"/>
+                  </a:schemeClr>
+                </a:solidFill>
+              </a:rPr>
+              <a:t>병신새끼임</a:t>
+            </a:r>
+            <a:endParaRPr lang="ko-KR" altLang="en-US" sz="700" dirty="0">
+              <a:solidFill>
+                <a:schemeClr val="bg1">
+                  <a:lumMod val="85000"/>
+                </a:schemeClr>
+              </a:solidFill>
+            </a:endParaRPr>
+          </a:p>
+        </p:txBody>
+      </p:sp>
+    </p:spTree>
+    <p:extLst>
+      <p:ext uri="{BB962C8B-B14F-4D97-AF65-F5344CB8AC3E}">
+        <p14:creationId xmlns:p14="http://schemas.microsoft.com/office/powerpoint/2010/main" val="16399477"/>
+      </p:ext>
+    </p:extLst>
+  </p:cSld>
+  <p:clrMapOvr>
+    <a:masterClrMapping/>
+  </p:clrMapOvr>
+</p:sld>
+</file>
+
+<file path=ppt/slides/slide7.xml><?xml version="1.0" encoding="utf-8"?>
+<p:sld xmlns:a="http://schemas.openxmlformats.org/drawingml/2006/main" xmlns:r="http://schemas.openxmlformats.org/officeDocument/2006/relationships" xmlns:p="http://schemas.openxmlformats.org/presentationml/2006/main">
+  <p:cSld>
+    <p:spTree>
+      <p:nvGrpSpPr>
+        <p:cNvPr id="1" name=""/>
+        <p:cNvGrpSpPr/>
+        <p:nvPr/>
+      </p:nvGrpSpPr>
+      <p:grpSpPr>
+        <a:xfrm>
+          <a:off x="0" y="0"/>
+          <a:ext cx="0" cy="0"/>
+          <a:chOff x="0" y="0"/>
+          <a:chExt cx="0" cy="0"/>
+        </a:xfrm>
+      </p:grpSpPr>
       <p:grpSp>
         <p:nvGrpSpPr>
           <p:cNvPr id="23" name="그룹 22"/>
@@ -6635,7 +6775,7 @@
         </p:nvGrpSpPr>
         <p:grpSpPr>
           <a:xfrm>
-            <a:off x="79097" y="73204"/>
+            <a:off x="54588" y="561333"/>
             <a:ext cx="6842698" cy="2873838"/>
             <a:chOff x="153525" y="132907"/>
             <a:chExt cx="6842698" cy="2873838"/>
@@ -6665,8 +6805,8 @@
             </a:prstGeom>
           </p:spPr>
         </p:pic>
-        <mc:AlternateContent xmlns:mc="http://schemas.openxmlformats.org/markup-compatibility/2006">
-          <mc:Choice xmlns:p14="http://schemas.microsoft.com/office/powerpoint/2010/main" Requires="p14">
+        <mc:AlternateContent xmlns:mc="http://schemas.openxmlformats.org/markup-compatibility/2006" xmlns:p14="http://schemas.microsoft.com/office/powerpoint/2010/main">
+          <mc:Choice Requires="p14">
             <p:contentPart p14:bwMode="auto" r:id="rId3">
               <p14:nvContentPartPr>
                 <p14:cNvPr id="11" name="잉크 10"/>
@@ -6679,7 +6819,7 @@
               </p14:xfrm>
             </p:contentPart>
           </mc:Choice>
-          <mc:Fallback>
+          <mc:Fallback xmlns="">
             <p:pic>
               <p:nvPicPr>
                 <p:cNvPr id="11" name="잉크 10"/>
@@ -6713,7 +6853,7 @@
         </p:nvGrpSpPr>
         <p:grpSpPr>
           <a:xfrm>
-            <a:off x="153525" y="3054317"/>
+            <a:off x="1736680" y="3054317"/>
             <a:ext cx="5120224" cy="3677779"/>
             <a:chOff x="153525" y="3054317"/>
             <a:chExt cx="5120224" cy="3677779"/>
@@ -6743,8 +6883,8 @@
             </a:prstGeom>
           </p:spPr>
         </p:pic>
-        <mc:AlternateContent xmlns:mc="http://schemas.openxmlformats.org/markup-compatibility/2006">
-          <mc:Choice xmlns:p14="http://schemas.microsoft.com/office/powerpoint/2010/main" Requires="p14">
+        <mc:AlternateContent xmlns:mc="http://schemas.openxmlformats.org/markup-compatibility/2006" xmlns:p14="http://schemas.microsoft.com/office/powerpoint/2010/main">
+          <mc:Choice Requires="p14">
             <p:contentPart p14:bwMode="auto" r:id="rId6">
               <p14:nvContentPartPr>
                 <p14:cNvPr id="17" name="잉크 16"/>
@@ -6757,7 +6897,7 @@
               </p14:xfrm>
             </p:contentPart>
           </mc:Choice>
-          <mc:Fallback>
+          <mc:Fallback xmlns="">
             <p:pic>
               <p:nvPicPr>
                 <p:cNvPr id="17" name="잉크 16"/>
@@ -6782,8 +6922,8 @@
             </p:pic>
           </mc:Fallback>
         </mc:AlternateContent>
-        <mc:AlternateContent xmlns:mc="http://schemas.openxmlformats.org/markup-compatibility/2006">
-          <mc:Choice xmlns:p14="http://schemas.microsoft.com/office/powerpoint/2010/main" Requires="p14">
+        <mc:AlternateContent xmlns:mc="http://schemas.openxmlformats.org/markup-compatibility/2006" xmlns:p14="http://schemas.microsoft.com/office/powerpoint/2010/main">
+          <mc:Choice Requires="p14">
             <p:contentPart p14:bwMode="auto" r:id="rId8">
               <p14:nvContentPartPr>
                 <p14:cNvPr id="19" name="잉크 18"/>
@@ -6796,7 +6936,7 @@
               </p14:xfrm>
             </p:contentPart>
           </mc:Choice>
-          <mc:Fallback>
+          <mc:Fallback xmlns="">
             <p:pic>
               <p:nvPicPr>
                 <p:cNvPr id="19" name="잉크 18"/>
@@ -6821,8 +6961,8 @@
             </p:pic>
           </mc:Fallback>
         </mc:AlternateContent>
-        <mc:AlternateContent xmlns:mc="http://schemas.openxmlformats.org/markup-compatibility/2006">
-          <mc:Choice xmlns:p14="http://schemas.microsoft.com/office/powerpoint/2010/main" Requires="p14">
+        <mc:AlternateContent xmlns:mc="http://schemas.openxmlformats.org/markup-compatibility/2006" xmlns:p14="http://schemas.microsoft.com/office/powerpoint/2010/main">
+          <mc:Choice Requires="p14">
             <p:contentPart p14:bwMode="auto" r:id="rId10">
               <p14:nvContentPartPr>
                 <p14:cNvPr id="21" name="잉크 20"/>
@@ -6835,7 +6975,7 @@
               </p14:xfrm>
             </p:contentPart>
           </mc:Choice>
-          <mc:Fallback>
+          <mc:Fallback xmlns="">
             <p:pic>
               <p:nvPicPr>
                 <p:cNvPr id="21" name="잉크 20"/>
@@ -6899,8 +7039,8 @@
             </a:prstGeom>
           </p:spPr>
         </p:pic>
-        <mc:AlternateContent xmlns:mc="http://schemas.openxmlformats.org/markup-compatibility/2006">
-          <mc:Choice xmlns:p14="http://schemas.microsoft.com/office/powerpoint/2010/main" Requires="p14">
+        <mc:AlternateContent xmlns:mc="http://schemas.openxmlformats.org/markup-compatibility/2006" xmlns:p14="http://schemas.microsoft.com/office/powerpoint/2010/main">
+          <mc:Choice Requires="p14">
             <p:contentPart p14:bwMode="auto" r:id="rId13">
               <p14:nvContentPartPr>
                 <p14:cNvPr id="29" name="잉크 28"/>
@@ -6913,7 +7053,7 @@
               </p14:xfrm>
             </p:contentPart>
           </mc:Choice>
-          <mc:Fallback>
+          <mc:Fallback xmlns="">
             <p:pic>
               <p:nvPicPr>
                 <p:cNvPr id="29" name="잉크 28"/>
@@ -6938,8 +7078,8 @@
             </p:pic>
           </mc:Fallback>
         </mc:AlternateContent>
-        <mc:AlternateContent xmlns:mc="http://schemas.openxmlformats.org/markup-compatibility/2006">
-          <mc:Choice xmlns:p14="http://schemas.microsoft.com/office/powerpoint/2010/main" Requires="p14">
+        <mc:AlternateContent xmlns:mc="http://schemas.openxmlformats.org/markup-compatibility/2006" xmlns:p14="http://schemas.microsoft.com/office/powerpoint/2010/main">
+          <mc:Choice Requires="p14">
             <p:contentPart p14:bwMode="auto" r:id="rId15">
               <p14:nvContentPartPr>
                 <p14:cNvPr id="31" name="잉크 30"/>
@@ -6952,7 +7092,7 @@
               </p14:xfrm>
             </p:contentPart>
           </mc:Choice>
-          <mc:Fallback>
+          <mc:Fallback xmlns="">
             <p:pic>
               <p:nvPicPr>
                 <p:cNvPr id="31" name="잉크 30"/>
@@ -6986,7 +7126,7 @@
         </p:nvGrpSpPr>
         <p:grpSpPr>
           <a:xfrm>
-            <a:off x="6305972" y="2603579"/>
+            <a:off x="7091846" y="2629605"/>
             <a:ext cx="5051644" cy="4102491"/>
             <a:chOff x="6305972" y="2603579"/>
             <a:chExt cx="5051644" cy="4102491"/>
@@ -7016,8 +7156,8 @@
             </a:prstGeom>
           </p:spPr>
         </p:pic>
-        <mc:AlternateContent xmlns:mc="http://schemas.openxmlformats.org/markup-compatibility/2006">
-          <mc:Choice xmlns:p14="http://schemas.microsoft.com/office/powerpoint/2010/main" Requires="p14">
+        <mc:AlternateContent xmlns:mc="http://schemas.openxmlformats.org/markup-compatibility/2006" xmlns:p14="http://schemas.microsoft.com/office/powerpoint/2010/main">
+          <mc:Choice Requires="p14">
             <p:contentPart p14:bwMode="auto" r:id="rId18">
               <p14:nvContentPartPr>
                 <p14:cNvPr id="34" name="잉크 33"/>
@@ -7030,7 +7170,7 @@
               </p14:xfrm>
             </p:contentPart>
           </mc:Choice>
-          <mc:Fallback>
+          <mc:Fallback xmlns="">
             <p:pic>
               <p:nvPicPr>
                 <p:cNvPr id="34" name="잉크 33"/>
@@ -7055,8 +7195,8 @@
             </p:pic>
           </mc:Fallback>
         </mc:AlternateContent>
-        <mc:AlternateContent xmlns:mc="http://schemas.openxmlformats.org/markup-compatibility/2006">
-          <mc:Choice xmlns:p14="http://schemas.microsoft.com/office/powerpoint/2010/main" Requires="p14">
+        <mc:AlternateContent xmlns:mc="http://schemas.openxmlformats.org/markup-compatibility/2006" xmlns:p14="http://schemas.microsoft.com/office/powerpoint/2010/main">
+          <mc:Choice Requires="p14">
             <p:contentPart p14:bwMode="auto" r:id="rId20">
               <p14:nvContentPartPr>
                 <p14:cNvPr id="36" name="잉크 35"/>
@@ -7069,7 +7209,7 @@
               </p14:xfrm>
             </p:contentPart>
           </mc:Choice>
-          <mc:Fallback>
+          <mc:Fallback xmlns="">
             <p:pic>
               <p:nvPicPr>
                 <p:cNvPr id="36" name="잉크 35"/>
@@ -7095,6 +7235,52 @@
           </mc:Fallback>
         </mc:AlternateContent>
       </p:grpSp>
+      <p:sp>
+        <p:nvSpPr>
+          <p:cNvPr id="2" name="TextBox 1"/>
+          <p:cNvSpPr txBox="1"/>
+          <p:nvPr/>
+        </p:nvSpPr>
+        <p:spPr>
+          <a:xfrm>
+            <a:off x="0" y="7335"/>
+            <a:ext cx="4126587" cy="553998"/>
+          </a:xfrm>
+          <a:prstGeom prst="rect">
+            <a:avLst/>
+          </a:prstGeom>
+          <a:noFill/>
+        </p:spPr>
+        <p:txBody>
+          <a:bodyPr wrap="square" rtlCol="0">
+            <a:spAutoFit/>
+          </a:bodyPr>
+          <a:lstStyle/>
+          <a:p>
+            <a:r>
+              <a:rPr lang="ko-KR" altLang="en-US" sz="3000" b="1" dirty="0" err="1" smtClean="0">
+                <a:solidFill>
+                  <a:srgbClr val="00B0F0"/>
+                </a:solidFill>
+              </a:rPr>
+              <a:t>깃허브</a:t>
+            </a:r>
+            <a:r>
+              <a:rPr lang="ko-KR" altLang="en-US" sz="3000" b="1" dirty="0" smtClean="0">
+                <a:solidFill>
+                  <a:srgbClr val="00B0F0"/>
+                </a:solidFill>
+              </a:rPr>
+              <a:t> 갖고 오는 방법</a:t>
+            </a:r>
+            <a:endParaRPr lang="ko-KR" altLang="en-US" sz="3000" b="1" dirty="0">
+              <a:solidFill>
+                <a:srgbClr val="00B0F0"/>
+              </a:solidFill>
+            </a:endParaRPr>
+          </a:p>
+        </p:txBody>
+      </p:sp>
     </p:spTree>
     <p:extLst>
       <p:ext uri="{BB962C8B-B14F-4D97-AF65-F5344CB8AC3E}">
@@ -7108,7 +7294,7 @@
 </p:sld>
 </file>
 
-<file path=ppt/slides/slide7.xml><?xml version="1.0" encoding="utf-8"?>
+<file path=ppt/slides/slide8.xml><?xml version="1.0" encoding="utf-8"?>
 <p:sld xmlns:a="http://schemas.openxmlformats.org/drawingml/2006/main" xmlns:r="http://schemas.openxmlformats.org/officeDocument/2006/relationships" xmlns:p="http://schemas.openxmlformats.org/presentationml/2006/main">
   <p:cSld>
     <p:spTree>
@@ -7127,80 +7313,134 @@
       </p:grpSpPr>
       <p:grpSp>
         <p:nvGrpSpPr>
-          <p:cNvPr id="21" name="그룹 20"/>
+          <p:cNvPr id="4" name="그룹 3"/>
           <p:cNvGrpSpPr/>
           <p:nvPr/>
         </p:nvGrpSpPr>
         <p:grpSpPr>
           <a:xfrm>
-            <a:off x="128560" y="51981"/>
-            <a:ext cx="5338167" cy="3311246"/>
-            <a:chOff x="128560" y="51981"/>
-            <a:chExt cx="5338167" cy="3311246"/>
+            <a:off x="1566612" y="463646"/>
+            <a:ext cx="5338167" cy="3383362"/>
+            <a:chOff x="128560" y="-20135"/>
+            <a:chExt cx="5338167" cy="3383362"/>
           </a:xfrm>
         </p:grpSpPr>
-        <p:pic>
-          <p:nvPicPr>
-            <p:cNvPr id="8" name="그림 7"/>
-            <p:cNvPicPr>
-              <a:picLocks noChangeAspect="1"/>
-            </p:cNvPicPr>
+        <p:grpSp>
+          <p:nvGrpSpPr>
+            <p:cNvPr id="21" name="그룹 20"/>
+            <p:cNvGrpSpPr/>
             <p:nvPr/>
-          </p:nvPicPr>
-          <p:blipFill>
-            <a:blip r:embed="rId2"/>
-            <a:stretch>
-              <a:fillRect/>
-            </a:stretch>
-          </p:blipFill>
-          <p:spPr>
+          </p:nvGrpSpPr>
+          <p:grpSpPr>
             <a:xfrm>
               <a:off x="128560" y="51981"/>
               <a:ext cx="5338167" cy="3311246"/>
+              <a:chOff x="128560" y="51981"/>
+              <a:chExt cx="5338167" cy="3311246"/>
             </a:xfrm>
-            <a:prstGeom prst="rect">
-              <a:avLst/>
-            </a:prstGeom>
-          </p:spPr>
-        </p:pic>
-        <p:sp>
-          <p:nvSpPr>
-            <p:cNvPr id="11" name="TextBox 10"/>
-            <p:cNvSpPr txBox="1"/>
-            <p:nvPr/>
-          </p:nvSpPr>
-          <p:spPr>
-            <a:xfrm>
-              <a:off x="4848445" y="515679"/>
-              <a:ext cx="407484" cy="553998"/>
-            </a:xfrm>
-            <a:prstGeom prst="rect">
-              <a:avLst/>
-            </a:prstGeom>
-            <a:noFill/>
-          </p:spPr>
-          <p:txBody>
-            <a:bodyPr wrap="none" rtlCol="0">
-              <a:spAutoFit/>
-            </a:bodyPr>
-            <a:lstStyle/>
-            <a:p>
-              <a:r>
-                <a:rPr lang="en-US" altLang="ko-KR" sz="3000" b="1" dirty="0" smtClean="0">
+          </p:grpSpPr>
+          <p:pic>
+            <p:nvPicPr>
+              <p:cNvPr id="8" name="그림 7"/>
+              <p:cNvPicPr>
+                <a:picLocks noChangeAspect="1"/>
+              </p:cNvPicPr>
+              <p:nvPr/>
+            </p:nvPicPr>
+            <p:blipFill>
+              <a:blip r:embed="rId2"/>
+              <a:stretch>
+                <a:fillRect/>
+              </a:stretch>
+            </p:blipFill>
+            <p:spPr>
+              <a:xfrm>
+                <a:off x="128560" y="51981"/>
+                <a:ext cx="5338167" cy="3311246"/>
+              </a:xfrm>
+              <a:prstGeom prst="rect">
+                <a:avLst/>
+              </a:prstGeom>
+            </p:spPr>
+          </p:pic>
+          <p:sp>
+            <p:nvSpPr>
+              <p:cNvPr id="11" name="TextBox 10"/>
+              <p:cNvSpPr txBox="1"/>
+              <p:nvPr/>
+            </p:nvSpPr>
+            <p:spPr>
+              <a:xfrm>
+                <a:off x="4848445" y="515679"/>
+                <a:ext cx="407484" cy="553998"/>
+              </a:xfrm>
+              <a:prstGeom prst="rect">
+                <a:avLst/>
+              </a:prstGeom>
+              <a:noFill/>
+            </p:spPr>
+            <p:txBody>
+              <a:bodyPr wrap="none" rtlCol="0">
+                <a:spAutoFit/>
+              </a:bodyPr>
+              <a:lstStyle/>
+              <a:p>
+                <a:r>
+                  <a:rPr lang="en-US" altLang="ko-KR" sz="3000" b="1" dirty="0" smtClean="0">
+                    <a:solidFill>
+                      <a:schemeClr val="bg1"/>
+                    </a:solidFill>
+                  </a:rPr>
+                  <a:t>1</a:t>
+                </a:r>
+                <a:endParaRPr lang="ko-KR" altLang="en-US" sz="3000" b="1" dirty="0">
                   <a:solidFill>
                     <a:schemeClr val="bg1"/>
                   </a:solidFill>
-                </a:rPr>
-                <a:t>1</a:t>
-              </a:r>
-              <a:endParaRPr lang="ko-KR" altLang="en-US" sz="3000" b="1" dirty="0">
-                <a:solidFill>
-                  <a:schemeClr val="bg1"/>
-                </a:solidFill>
-              </a:endParaRPr>
-            </a:p>
-          </p:txBody>
-        </p:sp>
+                </a:endParaRPr>
+              </a:p>
+            </p:txBody>
+          </p:sp>
+        </p:grpSp>
+        <mc:AlternateContent xmlns:mc="http://schemas.openxmlformats.org/markup-compatibility/2006">
+          <mc:Choice xmlns:p14="http://schemas.microsoft.com/office/powerpoint/2010/main" Requires="p14">
+            <p:contentPart p14:bwMode="auto" r:id="rId3">
+              <p14:nvContentPartPr>
+                <p14:cNvPr id="35" name="잉크 34"/>
+                <p14:cNvContentPartPr/>
+                <p14:nvPr/>
+              </p14:nvContentPartPr>
+              <p14:xfrm>
+                <a:off x="1329388" y="-20135"/>
+                <a:ext cx="1074600" cy="1356840"/>
+              </p14:xfrm>
+            </p:contentPart>
+          </mc:Choice>
+          <mc:Fallback>
+            <p:pic>
+              <p:nvPicPr>
+                <p:cNvPr id="35" name="잉크 34"/>
+                <p:cNvPicPr/>
+                <p:nvPr/>
+              </p:nvPicPr>
+              <p:blipFill>
+                <a:blip r:embed="rId4"/>
+                <a:stretch>
+                  <a:fillRect/>
+                </a:stretch>
+              </p:blipFill>
+              <p:spPr>
+                <a:xfrm>
+                  <a:off x="1305268" y="-44249"/>
+                  <a:ext cx="1122840" cy="1405067"/>
+                </a:xfrm>
+                <a:prstGeom prst="rect">
+                  <a:avLst/>
+                </a:prstGeom>
+              </p:spPr>
+            </p:pic>
+          </mc:Fallback>
+        </mc:AlternateContent>
       </p:grpSp>
       <p:grpSp>
         <p:nvGrpSpPr>
@@ -7210,7 +7450,7 @@
         </p:nvGrpSpPr>
         <p:grpSpPr>
           <a:xfrm>
-            <a:off x="5731189" y="182123"/>
+            <a:off x="7760502" y="806416"/>
             <a:ext cx="4033869" cy="2228759"/>
             <a:chOff x="7327145" y="271023"/>
             <a:chExt cx="4033869" cy="2228759"/>
@@ -7225,7 +7465,7 @@
             <p:nvPr/>
           </p:nvPicPr>
           <p:blipFill>
-            <a:blip r:embed="rId3"/>
+            <a:blip r:embed="rId5"/>
             <a:stretch>
               <a:fillRect/>
             </a:stretch>
@@ -7302,7 +7542,7 @@
             <p:nvPr/>
           </p:nvPicPr>
           <p:blipFill>
-            <a:blip r:embed="rId4"/>
+            <a:blip r:embed="rId6"/>
             <a:stretch>
               <a:fillRect/>
             </a:stretch>
@@ -7379,7 +7619,7 @@
             <p:nvPr/>
           </p:nvPicPr>
           <p:blipFill>
-            <a:blip r:embed="rId5"/>
+            <a:blip r:embed="rId7"/>
             <a:stretch>
               <a:fillRect/>
             </a:stretch>
@@ -7435,100 +7675,38 @@
       </p:grpSp>
       <p:grpSp>
         <p:nvGrpSpPr>
-          <p:cNvPr id="20" name="그룹 19"/>
+          <p:cNvPr id="3" name="그룹 2"/>
           <p:cNvGrpSpPr/>
           <p:nvPr/>
         </p:nvGrpSpPr>
         <p:grpSpPr>
           <a:xfrm>
-            <a:off x="7631713" y="2042232"/>
-            <a:ext cx="4554923" cy="3207732"/>
-            <a:chOff x="7920484" y="2996301"/>
-            <a:chExt cx="4382563" cy="3086350"/>
+            <a:off x="7631713" y="3363227"/>
+            <a:ext cx="4554923" cy="3224953"/>
+            <a:chOff x="7631713" y="2042232"/>
+            <a:chExt cx="4554923" cy="3224953"/>
           </a:xfrm>
         </p:grpSpPr>
-        <p:pic>
-          <p:nvPicPr>
-            <p:cNvPr id="17" name="그림 16"/>
-            <p:cNvPicPr>
-              <a:picLocks noChangeAspect="1"/>
-            </p:cNvPicPr>
+        <p:grpSp>
+          <p:nvGrpSpPr>
+            <p:cNvPr id="20" name="그룹 19"/>
+            <p:cNvGrpSpPr/>
             <p:nvPr/>
-          </p:nvPicPr>
-          <p:blipFill>
-            <a:blip r:embed="rId6"/>
-            <a:stretch>
-              <a:fillRect/>
-            </a:stretch>
-          </p:blipFill>
-          <p:spPr>
+          </p:nvGrpSpPr>
+          <p:grpSpPr>
             <a:xfrm>
-              <a:off x="7920484" y="2996301"/>
-              <a:ext cx="4382563" cy="3086350"/>
+              <a:off x="7631713" y="2042232"/>
+              <a:ext cx="4554923" cy="3207732"/>
+              <a:chOff x="7920484" y="2996301"/>
+              <a:chExt cx="4382563" cy="3086350"/>
             </a:xfrm>
-            <a:prstGeom prst="rect">
-              <a:avLst/>
-            </a:prstGeom>
-          </p:spPr>
-        </p:pic>
-        <p:sp>
-          <p:nvSpPr>
-            <p:cNvPr id="19" name="TextBox 18"/>
-            <p:cNvSpPr txBox="1"/>
-            <p:nvPr/>
-          </p:nvSpPr>
-          <p:spPr>
-            <a:xfrm>
-              <a:off x="11566745" y="3359033"/>
-              <a:ext cx="407484" cy="553998"/>
-            </a:xfrm>
-            <a:prstGeom prst="rect">
-              <a:avLst/>
-            </a:prstGeom>
-            <a:noFill/>
-          </p:spPr>
-          <p:txBody>
-            <a:bodyPr wrap="none" rtlCol="0">
-              <a:spAutoFit/>
-            </a:bodyPr>
-            <a:lstStyle/>
-            <a:p>
-              <a:r>
-                <a:rPr lang="en-US" altLang="ko-KR" sz="3000" b="1" dirty="0" smtClean="0">
-                  <a:solidFill>
-                    <a:schemeClr val="bg1"/>
-                  </a:solidFill>
-                </a:rPr>
-                <a:t>5</a:t>
-              </a:r>
-              <a:endParaRPr lang="ko-KR" altLang="en-US" sz="3000" b="1" dirty="0">
-                <a:solidFill>
-                  <a:schemeClr val="bg1"/>
-                </a:solidFill>
-              </a:endParaRPr>
-            </a:p>
-          </p:txBody>
-        </p:sp>
-      </p:grpSp>
-      <mc:AlternateContent xmlns:mc="http://schemas.openxmlformats.org/markup-compatibility/2006" xmlns:p14="http://schemas.microsoft.com/office/powerpoint/2010/main">
-        <mc:Choice Requires="p14">
-          <p:contentPart p14:bwMode="auto" r:id="rId7">
-            <p14:nvContentPartPr>
-              <p14:cNvPr id="23" name="잉크 22"/>
-              <p14:cNvContentPartPr/>
-              <p14:nvPr/>
-            </p14:nvContentPartPr>
-            <p14:xfrm>
-              <a:off x="11020948" y="4914025"/>
-              <a:ext cx="376920" cy="353160"/>
-            </p14:xfrm>
-          </p:contentPart>
-        </mc:Choice>
-        <mc:Fallback xmlns="">
+          </p:grpSpPr>
           <p:pic>
             <p:nvPicPr>
-              <p:cNvPr id="23" name="잉크 22"/>
-              <p:cNvPicPr/>
+              <p:cNvPr id="17" name="그림 16"/>
+              <p:cNvPicPr>
+                <a:picLocks noChangeAspect="1"/>
+              </p:cNvPicPr>
               <p:nvPr/>
             </p:nvPicPr>
             <p:blipFill>
@@ -7539,19 +7717,96 @@
             </p:blipFill>
             <p:spPr>
               <a:xfrm>
-                <a:off x="10996828" y="4889905"/>
-                <a:ext cx="425160" cy="401400"/>
+                <a:off x="7920484" y="2996301"/>
+                <a:ext cx="4382563" cy="3086350"/>
               </a:xfrm>
               <a:prstGeom prst="rect">
                 <a:avLst/>
               </a:prstGeom>
             </p:spPr>
           </p:pic>
-        </mc:Fallback>
-      </mc:AlternateContent>
+          <p:sp>
+            <p:nvSpPr>
+              <p:cNvPr id="19" name="TextBox 18"/>
+              <p:cNvSpPr txBox="1"/>
+              <p:nvPr/>
+            </p:nvSpPr>
+            <p:spPr>
+              <a:xfrm>
+                <a:off x="11566745" y="3359033"/>
+                <a:ext cx="407484" cy="553998"/>
+              </a:xfrm>
+              <a:prstGeom prst="rect">
+                <a:avLst/>
+              </a:prstGeom>
+              <a:noFill/>
+            </p:spPr>
+            <p:txBody>
+              <a:bodyPr wrap="none" rtlCol="0">
+                <a:spAutoFit/>
+              </a:bodyPr>
+              <a:lstStyle/>
+              <a:p>
+                <a:r>
+                  <a:rPr lang="en-US" altLang="ko-KR" sz="3000" b="1" dirty="0" smtClean="0">
+                    <a:solidFill>
+                      <a:schemeClr val="bg1"/>
+                    </a:solidFill>
+                  </a:rPr>
+                  <a:t>5</a:t>
+                </a:r>
+                <a:endParaRPr lang="ko-KR" altLang="en-US" sz="3000" b="1" dirty="0">
+                  <a:solidFill>
+                    <a:schemeClr val="bg1"/>
+                  </a:solidFill>
+                </a:endParaRPr>
+              </a:p>
+            </p:txBody>
+          </p:sp>
+        </p:grpSp>
+        <mc:AlternateContent xmlns:mc="http://schemas.openxmlformats.org/markup-compatibility/2006">
+          <mc:Choice xmlns:p14="http://schemas.microsoft.com/office/powerpoint/2010/main" Requires="p14">
+            <p:contentPart p14:bwMode="auto" r:id="rId9">
+              <p14:nvContentPartPr>
+                <p14:cNvPr id="23" name="잉크 22"/>
+                <p14:cNvContentPartPr/>
+                <p14:nvPr/>
+              </p14:nvContentPartPr>
+              <p14:xfrm>
+                <a:off x="11020948" y="4914025"/>
+                <a:ext cx="376920" cy="353160"/>
+              </p14:xfrm>
+            </p:contentPart>
+          </mc:Choice>
+          <mc:Fallback>
+            <p:pic>
+              <p:nvPicPr>
+                <p:cNvPr id="23" name="잉크 22"/>
+                <p:cNvPicPr/>
+                <p:nvPr/>
+              </p:nvPicPr>
+              <p:blipFill>
+                <a:blip r:embed="rId10"/>
+                <a:stretch>
+                  <a:fillRect/>
+                </a:stretch>
+              </p:blipFill>
+              <p:spPr>
+                <a:xfrm>
+                  <a:off x="10996828" y="4889905"/>
+                  <a:ext cx="425160" cy="401400"/>
+                </a:xfrm>
+                <a:prstGeom prst="rect">
+                  <a:avLst/>
+                </a:prstGeom>
+              </p:spPr>
+            </p:pic>
+          </mc:Fallback>
+        </mc:AlternateContent>
+      </p:grpSp>
       <mc:AlternateContent xmlns:mc="http://schemas.openxmlformats.org/markup-compatibility/2006" xmlns:p14="http://schemas.microsoft.com/office/powerpoint/2010/main">
         <mc:Choice Requires="p14">
-          <p:contentPart p14:bwMode="auto" r:id="rId9">
+          <p:contentPart p14:bwMode="auto" r:id="rId11">
             <p14:nvContentPartPr>
               <p14:cNvPr id="27" name="잉크 26"/>
               <p14:cNvContentPartPr/>
@@ -7571,7 +7826,7 @@
               <p:nvPr/>
             </p:nvPicPr>
             <p:blipFill>
-              <a:blip r:embed="rId10"/>
+              <a:blip r:embed="rId12"/>
               <a:stretch>
                 <a:fillRect/>
               </a:stretch>
@@ -7588,9 +7843,9 @@
           </p:pic>
         </mc:Fallback>
       </mc:AlternateContent>
-      <mc:AlternateContent xmlns:mc="http://schemas.openxmlformats.org/markup-compatibility/2006" xmlns:p14="http://schemas.microsoft.com/office/powerpoint/2010/main">
-        <mc:Choice Requires="p14">
-          <p:contentPart p14:bwMode="auto" r:id="rId11">
+      <mc:AlternateContent xmlns:mc="http://schemas.openxmlformats.org/markup-compatibility/2006">
+        <mc:Choice xmlns:p14="http://schemas.microsoft.com/office/powerpoint/2010/main" Requires="p14">
+          <p:contentPart p14:bwMode="auto" r:id="rId13">
             <p14:nvContentPartPr>
               <p14:cNvPr id="31" name="잉크 30"/>
               <p14:cNvContentPartPr/>
@@ -7602,49 +7857,10 @@
             </p14:xfrm>
           </p:contentPart>
         </mc:Choice>
-        <mc:Fallback xmlns="">
+        <mc:Fallback>
           <p:pic>
             <p:nvPicPr>
               <p:cNvPr id="31" name="잉크 30"/>
-              <p:cNvPicPr/>
-              <p:nvPr/>
-            </p:nvPicPr>
-            <p:blipFill>
-              <a:blip r:embed="rId12"/>
-              <a:stretch>
-                <a:fillRect/>
-              </a:stretch>
-            </p:blipFill>
-            <p:spPr>
-              <a:xfrm>
-                <a:off x="2156316" y="3043825"/>
-                <a:ext cx="1166384" cy="2396880"/>
-              </a:xfrm>
-              <a:prstGeom prst="rect">
-                <a:avLst/>
-              </a:prstGeom>
-            </p:spPr>
-          </p:pic>
-        </mc:Fallback>
-      </mc:AlternateContent>
-      <mc:AlternateContent xmlns:mc="http://schemas.openxmlformats.org/markup-compatibility/2006" xmlns:p14="http://schemas.microsoft.com/office/powerpoint/2010/main">
-        <mc:Choice Requires="p14">
-          <p:contentPart p14:bwMode="auto" r:id="rId13">
-            <p14:nvContentPartPr>
-              <p14:cNvPr id="35" name="잉크 34"/>
-              <p14:cNvContentPartPr/>
-              <p14:nvPr/>
-            </p14:nvContentPartPr>
-            <p14:xfrm>
-              <a:off x="1329388" y="-20135"/>
-              <a:ext cx="1074600" cy="1356840"/>
-            </p14:xfrm>
-          </p:contentPart>
-        </mc:Choice>
-        <mc:Fallback xmlns="">
-          <p:pic>
-            <p:nvPicPr>
-              <p:cNvPr id="35" name="잉크 34"/>
               <p:cNvPicPr/>
               <p:nvPr/>
             </p:nvPicPr>
@@ -7656,8 +7872,8 @@
             </p:blipFill>
             <p:spPr>
               <a:xfrm>
-                <a:off x="1305268" y="-44255"/>
-                <a:ext cx="1122840" cy="1405080"/>
+                <a:off x="2156308" y="3043825"/>
+                <a:ext cx="1166400" cy="2396880"/>
               </a:xfrm>
               <a:prstGeom prst="rect">
                 <a:avLst/>
@@ -7666,6 +7882,180 @@
           </p:pic>
         </mc:Fallback>
       </mc:AlternateContent>
+      <p:sp>
+        <p:nvSpPr>
+          <p:cNvPr id="22" name="TextBox 21"/>
+          <p:cNvSpPr txBox="1"/>
+          <p:nvPr/>
+        </p:nvSpPr>
+        <p:spPr>
+          <a:xfrm>
+            <a:off x="0" y="7335"/>
+            <a:ext cx="6230679" cy="553998"/>
+          </a:xfrm>
+          <a:prstGeom prst="rect">
+            <a:avLst/>
+          </a:prstGeom>
+          <a:noFill/>
+        </p:spPr>
+        <p:txBody>
+          <a:bodyPr wrap="square" rtlCol="0">
+            <a:spAutoFit/>
+          </a:bodyPr>
+          <a:lstStyle/>
+          <a:p>
+            <a:r>
+              <a:rPr lang="ko-KR" altLang="en-US" sz="3000" b="1" dirty="0" err="1" smtClean="0">
+                <a:solidFill>
+                  <a:srgbClr val="00B0F0"/>
+                </a:solidFill>
+              </a:rPr>
+              <a:t>브랜치</a:t>
+            </a:r>
+            <a:r>
+              <a:rPr lang="ko-KR" altLang="en-US" sz="3000" b="1" dirty="0" smtClean="0">
+                <a:solidFill>
+                  <a:srgbClr val="00B0F0"/>
+                </a:solidFill>
+              </a:rPr>
+              <a:t> 생성해서 </a:t>
+            </a:r>
+            <a:r>
+              <a:rPr lang="en-US" altLang="ko-KR" sz="3000" b="1" dirty="0" smtClean="0">
+                <a:solidFill>
+                  <a:srgbClr val="00B0F0"/>
+                </a:solidFill>
+              </a:rPr>
+              <a:t>commit</a:t>
+            </a:r>
+            <a:r>
+              <a:rPr lang="ko-KR" altLang="en-US" sz="3000" b="1" dirty="0" smtClean="0">
+                <a:solidFill>
+                  <a:srgbClr val="00B0F0"/>
+                </a:solidFill>
+              </a:rPr>
+              <a:t>하는 방법</a:t>
+            </a:r>
+            <a:endParaRPr lang="ko-KR" altLang="en-US" sz="3000" b="1" dirty="0">
+              <a:solidFill>
+                <a:srgbClr val="00B0F0"/>
+              </a:solidFill>
+            </a:endParaRPr>
+          </a:p>
+        </p:txBody>
+      </p:sp>
+      <p:sp>
+        <p:nvSpPr>
+          <p:cNvPr id="6" name="TextBox 5"/>
+          <p:cNvSpPr txBox="1"/>
+          <p:nvPr/>
+        </p:nvSpPr>
+        <p:spPr>
+          <a:xfrm>
+            <a:off x="5616437" y="3951430"/>
+            <a:ext cx="2499402" cy="1015663"/>
+          </a:xfrm>
+          <a:prstGeom prst="rect">
+            <a:avLst/>
+          </a:prstGeom>
+          <a:noFill/>
+        </p:spPr>
+        <p:txBody>
+          <a:bodyPr wrap="none" rtlCol="0">
+            <a:spAutoFit/>
+          </a:bodyPr>
+          <a:lstStyle/>
+          <a:p>
+            <a:r>
+              <a:rPr lang="en-US" altLang="ko-KR" sz="1500" dirty="0" smtClean="0">
+                <a:solidFill>
+                  <a:schemeClr val="bg1">
+                    <a:lumMod val="85000"/>
+                  </a:schemeClr>
+                </a:solidFill>
+              </a:rPr>
+              <a:t>commit and anyway push </a:t>
+            </a:r>
+          </a:p>
+          <a:p>
+            <a:r>
+              <a:rPr lang="ko-KR" altLang="en-US" sz="1500" dirty="0" smtClean="0">
+                <a:solidFill>
+                  <a:schemeClr val="bg1">
+                    <a:lumMod val="85000"/>
+                  </a:schemeClr>
+                </a:solidFill>
+              </a:rPr>
+              <a:t>뜰 수도 </a:t>
+            </a:r>
+            <a:r>
+              <a:rPr lang="ko-KR" altLang="en-US" sz="1500" dirty="0" err="1" smtClean="0">
+                <a:solidFill>
+                  <a:schemeClr val="bg1">
+                    <a:lumMod val="85000"/>
+                  </a:schemeClr>
+                </a:solidFill>
+              </a:rPr>
+              <a:t>있을텐데</a:t>
+            </a:r>
+            <a:r>
+              <a:rPr lang="ko-KR" altLang="en-US" sz="1500" dirty="0" smtClean="0">
+                <a:solidFill>
+                  <a:schemeClr val="bg1">
+                    <a:lumMod val="85000"/>
+                  </a:schemeClr>
+                </a:solidFill>
+              </a:rPr>
+              <a:t> 항상 </a:t>
+            </a:r>
+            <a:endParaRPr lang="en-US" altLang="ko-KR" sz="1500" dirty="0" smtClean="0">
+              <a:solidFill>
+                <a:schemeClr val="bg1">
+                  <a:lumMod val="85000"/>
+                </a:schemeClr>
+              </a:solidFill>
+            </a:endParaRPr>
+          </a:p>
+          <a:p>
+            <a:r>
+              <a:rPr lang="ko-KR" altLang="en-US" sz="1500" dirty="0" smtClean="0">
+                <a:solidFill>
+                  <a:schemeClr val="bg1">
+                    <a:lumMod val="85000"/>
+                  </a:schemeClr>
+                </a:solidFill>
+              </a:rPr>
+              <a:t>할거냐 그거 물어보는 </a:t>
+            </a:r>
+            <a:endParaRPr lang="en-US" altLang="ko-KR" sz="1500" dirty="0" smtClean="0">
+              <a:solidFill>
+                <a:schemeClr val="bg1">
+                  <a:lumMod val="85000"/>
+                </a:schemeClr>
+              </a:solidFill>
+            </a:endParaRPr>
+          </a:p>
+          <a:p>
+            <a:r>
+              <a:rPr lang="ko-KR" altLang="en-US" sz="1500" dirty="0" smtClean="0">
+                <a:solidFill>
+                  <a:schemeClr val="bg1">
+                    <a:lumMod val="85000"/>
+                  </a:schemeClr>
+                </a:solidFill>
+              </a:rPr>
+              <a:t>거니까 걍 해</a:t>
+            </a:r>
+            <a:endParaRPr lang="ko-KR" altLang="en-US" sz="1500" dirty="0">
+              <a:solidFill>
+                <a:schemeClr val="bg1">
+                  <a:lumMod val="85000"/>
+                </a:schemeClr>
+              </a:solidFill>
+            </a:endParaRPr>
+          </a:p>
+        </p:txBody>
+      </p:sp>
     </p:spTree>
     <p:extLst>
       <p:ext uri="{BB962C8B-B14F-4D97-AF65-F5344CB8AC3E}">
@@ -7679,7 +8069,7 @@
 </p:sld>
 </file>
 
-<file path=ppt/slides/slide8.xml><?xml version="1.0" encoding="utf-8"?>
+<file path=ppt/slides/slide9.xml><?xml version="1.0" encoding="utf-8"?>
 <p:sld xmlns:a="http://schemas.openxmlformats.org/drawingml/2006/main" xmlns:r="http://schemas.openxmlformats.org/officeDocument/2006/relationships" xmlns:p="http://schemas.openxmlformats.org/presentationml/2006/main">
   <p:cSld>
     <p:spTree>
@@ -7704,7 +8094,7 @@
         </p:nvGrpSpPr>
         <p:grpSpPr>
           <a:xfrm>
-            <a:off x="143470" y="162684"/>
+            <a:off x="63726" y="593303"/>
             <a:ext cx="8573174" cy="3358993"/>
             <a:chOff x="100941" y="40409"/>
             <a:chExt cx="8573174" cy="3358993"/>
@@ -7852,6 +8242,52 @@
           </mc:Fallback>
         </mc:AlternateContent>
       </p:grpSp>
+      <p:sp>
+        <p:nvSpPr>
+          <p:cNvPr id="8" name="TextBox 7"/>
+          <p:cNvSpPr txBox="1"/>
+          <p:nvPr/>
+        </p:nvSpPr>
+        <p:spPr>
+          <a:xfrm>
+            <a:off x="0" y="7335"/>
+            <a:ext cx="6230679" cy="553998"/>
+          </a:xfrm>
+          <a:prstGeom prst="rect">
+            <a:avLst/>
+          </a:prstGeom>
+          <a:noFill/>
+        </p:spPr>
+        <p:txBody>
+          <a:bodyPr wrap="square" rtlCol="0">
+            <a:spAutoFit/>
+          </a:bodyPr>
+          <a:lstStyle/>
+          <a:p>
+            <a:r>
+              <a:rPr lang="ko-KR" altLang="en-US" sz="3000" b="1" dirty="0" smtClean="0">
+                <a:solidFill>
+                  <a:srgbClr val="00B0F0"/>
+                </a:solidFill>
+              </a:rPr>
+              <a:t>팀장이 </a:t>
+            </a:r>
+            <a:r>
+              <a:rPr lang="ko-KR" altLang="en-US" sz="3000" b="1" dirty="0" err="1" smtClean="0">
+                <a:solidFill>
+                  <a:srgbClr val="00B0F0"/>
+                </a:solidFill>
+              </a:rPr>
+              <a:t>합칠때</a:t>
+            </a:r>
+            <a:endParaRPr lang="ko-KR" altLang="en-US" sz="3000" b="1" dirty="0">
+              <a:solidFill>
+                <a:srgbClr val="00B0F0"/>
+              </a:solidFill>
+            </a:endParaRPr>
+          </a:p>
+        </p:txBody>
+      </p:sp>
     </p:spTree>
     <p:extLst>
       <p:ext uri="{BB962C8B-B14F-4D97-AF65-F5344CB8AC3E}">

--- a/메모장.pptx
+++ b/메모장.pptx
@@ -441,7 +441,7 @@
               </emma:one-of>
             </emma:emma>
           </inkml:annotationXML>
-          <inkml:trace contextRef="#ctx0" brushRef="#br0" timeOffset="1294.6542">3732 3422 0,'0'0'0,"0"0"0,0 0 16,0 0-16,0 0 0,0 0 16,0 0-16,0 0 0,0 0 15,0 0-15,0 0 16,-4 0-16,-20 0 0,-22 0 15,-20 16-15,-15 1 16,-4-14-16,7 7 0,-3-6 16,0 7-16,-3-5 0,-11-6 15,18 14-15,-7-9 16,1-2-16,-1-3 0,1 12 16,2-5-16,-10-3 15,-5-4-15,7 0 0,3 0 16,11 0-16,7 0 0,6-1 15,-4 1 1,5-3-16,-2 3 0,8-7 0,3-8 16,5-4-1,9-2-15,1-3 0,6-1 0,1-9 16,7 0-16,2-7 16,11-2-16,4-9 15,6-5-15,3-4 0,8 5 16,9 2-16,14-6 15,11-2-15,6 2 0,11-1 16,13-7-16,11 2 16,8 2-16,-4 7 0,2 8 15,5 3-15,10 4 16,11 3-16,-3 8 0,-1 8 16,-10 15-16,7-7 0,-9 14 15,-2 1-15,-5 1 16,-11 5-16,3 13 0,-8 11 15,0 11-15,3 8 16,-7 9-16,-6 7 0,-10 8 16,-7 6-16,-11-2 15,-4-2-15,-7-6 0,-8-2 16,-6 5-16,5 5 0,-9-8 16,7-2-16,-9-14 15,4-10-15,5 0 0,-6-14 16,-17-56-1</inkml:trace>
+          <inkml:trace contextRef="#ctx0" brushRef="#br0" timeOffset="1294.6541">3732 3422 0,'0'0'0,"0"0"0,0 0 16,0 0-16,0 0 0,0 0 16,0 0-16,0 0 0,0 0 15,0 0-15,0 0 16,-4 0-16,-20 0 0,-22 0 15,-20 16-15,-15 1 16,-4-14-16,7 7 0,-3-6 16,0 7-16,-3-5 0,-11-6 15,18 14-15,-7-9 16,1-2-16,-1-3 0,1 12 16,2-5-16,-10-3 15,-5-4-15,7 0 0,3 0 16,11 0-16,7 0 0,6-1 15,-4 1 1,5-3-16,-2 3 0,8-7 0,3-8 16,5-4-1,9-2-15,1-3 0,6-1 0,1-9 16,7 0-16,2-7 16,11-2-16,4-9 15,6-5-15,3-4 0,8 5 16,9 2-16,14-6 15,11-2-15,6 2 0,11-1 16,13-7-16,11 2 16,8 2-16,-4 7 0,2 8 15,5 3-15,10 4 16,11 3-16,-3 8 0,-1 8 16,-10 15-16,7-7 0,-9 14 15,-2 1-15,-5 1 16,-11 5-16,3 13 0,-8 11 15,0 11-15,3 8 16,-7 9-16,-6 7 0,-10 8 16,-7 6-16,-11-2 15,-4-2-15,-7-6 0,-8-2 16,-6 5-16,5 5 0,-9-8 16,7-2-16,-9-14 15,4-10-15,5 0 0,-6-14 16,-17-56-1</inkml:trace>
         </inkml:traceGroup>
       </inkml:traceGroup>
     </inkml:traceGroup>
@@ -6654,8 +6654,8 @@
         </p:nvSpPr>
         <p:spPr>
           <a:xfrm>
-            <a:off x="843516" y="2076967"/>
-            <a:ext cx="10515600" cy="2351493"/>
+            <a:off x="785037" y="1428381"/>
+            <a:ext cx="10515600" cy="4371680"/>
           </a:xfrm>
         </p:spPr>
         <p:txBody>
@@ -6679,6 +6679,60 @@
             </a:r>
             <a:br>
               <a:rPr lang="en-US" altLang="ko-KR" sz="5000" dirty="0" smtClean="0"/>
+            </a:br>
+            <a:r>
+              <a:rPr lang="en-US" altLang="ko-KR" sz="5000" dirty="0" smtClean="0"/>
+              <a:t/>
+            </a:r>
+            <a:br>
+              <a:rPr lang="en-US" altLang="ko-KR" sz="5000" dirty="0" smtClean="0"/>
+            </a:br>
+            <a:r>
+              <a:rPr lang="en-US" altLang="ko-KR" sz="5000" dirty="0"/>
+              <a:t/>
+            </a:r>
+            <a:br>
+              <a:rPr lang="en-US" altLang="ko-KR" sz="5000" dirty="0"/>
+            </a:br>
+            <a:r>
+              <a:rPr lang="ko-KR" altLang="en-US" sz="2200" dirty="0" smtClean="0"/>
+              <a:t>참고한 사이트 </a:t>
+            </a:r>
+            <a:r>
+              <a:rPr lang="en-US" altLang="ko-KR" sz="2200" dirty="0" smtClean="0"/>
+              <a:t>: </a:t>
+            </a:r>
+            <a:r>
+              <a:rPr lang="en-US" altLang="ko-KR" sz="2200" dirty="0" smtClean="0">
+                <a:hlinkClick r:id="rId2"/>
+              </a:rPr>
+              <a:t>https</a:t>
+            </a:r>
+            <a:r>
+              <a:rPr lang="en-US" altLang="ko-KR" sz="2200" dirty="0">
+                <a:hlinkClick r:id="rId2"/>
+              </a:rPr>
+              <a:t>://</a:t>
+            </a:r>
+            <a:r>
+              <a:rPr lang="en-US" altLang="ko-KR" sz="2200" dirty="0" smtClean="0">
+                <a:hlinkClick r:id="rId2"/>
+              </a:rPr>
+              <a:t>hyungjun-950912.tistory.com/200</a:t>
+            </a:r>
+            <a:r>
+              <a:rPr lang="en-US" altLang="ko-KR" sz="2200" dirty="0" smtClean="0"/>
+              <a:t/>
+            </a:r>
+            <a:br>
+              <a:rPr lang="en-US" altLang="ko-KR" sz="2200" dirty="0" smtClean="0"/>
+            </a:br>
+            <a:r>
+              <a:rPr lang="en-US" altLang="ko-KR" sz="2200" dirty="0"/>
+              <a:t/>
+            </a:r>
+            <a:br>
+              <a:rPr lang="en-US" altLang="ko-KR" sz="2200" dirty="0"/>
             </a:br>
             <a:r>
               <a:rPr lang="en-US" altLang="ko-KR" sz="5000" dirty="0"/>
@@ -7402,8 +7456,8 @@
             </p:txBody>
           </p:sp>
         </p:grpSp>
-        <mc:AlternateContent xmlns:mc="http://schemas.openxmlformats.org/markup-compatibility/2006">
-          <mc:Choice xmlns:p14="http://schemas.microsoft.com/office/powerpoint/2010/main" Requires="p14">
+        <mc:AlternateContent xmlns:mc="http://schemas.openxmlformats.org/markup-compatibility/2006" xmlns:p14="http://schemas.microsoft.com/office/powerpoint/2010/main">
+          <mc:Choice Requires="p14">
             <p:contentPart p14:bwMode="auto" r:id="rId3">
               <p14:nvContentPartPr>
                 <p14:cNvPr id="35" name="잉크 34"/>
@@ -7416,7 +7470,7 @@
               </p14:xfrm>
             </p:contentPart>
           </mc:Choice>
-          <mc:Fallback>
+          <mc:Fallback xmlns="">
             <p:pic>
               <p:nvPicPr>
                 <p:cNvPr id="35" name="잉크 34"/>
@@ -7764,8 +7818,8 @@
             </p:txBody>
           </p:sp>
         </p:grpSp>
-        <mc:AlternateContent xmlns:mc="http://schemas.openxmlformats.org/markup-compatibility/2006">
-          <mc:Choice xmlns:p14="http://schemas.microsoft.com/office/powerpoint/2010/main" Requires="p14">
+        <mc:AlternateContent xmlns:mc="http://schemas.openxmlformats.org/markup-compatibility/2006" xmlns:p14="http://schemas.microsoft.com/office/powerpoint/2010/main">
+          <mc:Choice Requires="p14">
             <p:contentPart p14:bwMode="auto" r:id="rId9">
               <p14:nvContentPartPr>
                 <p14:cNvPr id="23" name="잉크 22"/>
@@ -7778,7 +7832,7 @@
               </p14:xfrm>
             </p:contentPart>
           </mc:Choice>
-          <mc:Fallback>
+          <mc:Fallback xmlns="">
             <p:pic>
               <p:nvPicPr>
                 <p:cNvPr id="23" name="잉크 22"/>
@@ -7843,8 +7897,8 @@
           </p:pic>
         </mc:Fallback>
       </mc:AlternateContent>
-      <mc:AlternateContent xmlns:mc="http://schemas.openxmlformats.org/markup-compatibility/2006">
-        <mc:Choice xmlns:p14="http://schemas.microsoft.com/office/powerpoint/2010/main" Requires="p14">
+      <mc:AlternateContent xmlns:mc="http://schemas.openxmlformats.org/markup-compatibility/2006" xmlns:p14="http://schemas.microsoft.com/office/powerpoint/2010/main">
+        <mc:Choice Requires="p14">
           <p:contentPart p14:bwMode="auto" r:id="rId13">
             <p14:nvContentPartPr>
               <p14:cNvPr id="31" name="잉크 30"/>
@@ -7857,7 +7911,7 @@
             </p14:xfrm>
           </p:contentPart>
         </mc:Choice>
-        <mc:Fallback>
+        <mc:Fallback xmlns="">
           <p:pic>
             <p:nvPicPr>
               <p:cNvPr id="31" name="잉크 30"/>
